--- a/LSY/LSY.pptx
+++ b/LSY/LSY.pptx
@@ -5,24 +5,23 @@
     <p:sldMasterId id="2147483648" r:id="rId1"/>
   </p:sldMasterIdLst>
   <p:notesMasterIdLst>
-    <p:notesMasterId r:id="rId14"/>
+    <p:notesMasterId r:id="rId13"/>
   </p:notesMasterIdLst>
   <p:handoutMasterIdLst>
-    <p:handoutMasterId r:id="rId15"/>
+    <p:handoutMasterId r:id="rId14"/>
   </p:handoutMasterIdLst>
   <p:sldIdLst>
     <p:sldId id="283" r:id="rId2"/>
     <p:sldId id="295" r:id="rId3"/>
     <p:sldId id="296" r:id="rId4"/>
-    <p:sldId id="297" r:id="rId5"/>
+    <p:sldId id="299" r:id="rId5"/>
     <p:sldId id="286" r:id="rId6"/>
     <p:sldId id="285" r:id="rId7"/>
     <p:sldId id="287" r:id="rId8"/>
     <p:sldId id="294" r:id="rId9"/>
     <p:sldId id="288" r:id="rId10"/>
-    <p:sldId id="289" r:id="rId11"/>
-    <p:sldId id="290" r:id="rId12"/>
-    <p:sldId id="298" r:id="rId13"/>
+    <p:sldId id="290" r:id="rId11"/>
+    <p:sldId id="298" r:id="rId12"/>
   </p:sldIdLst>
   <p:sldSz cx="12192000" cy="6858000"/>
   <p:notesSz cx="6858000" cy="9144000"/>
@@ -732,7 +731,7 @@
           <a:lstStyle/>
           <a:p>
             <a:r>
-              <a:rPr lang="en-US" altLang="zh-CN" sz="1200" kern="1200" dirty="0" smtClean="0">
+              <a:rPr lang="en-US" altLang="zh-CN" sz="1200" b="0" kern="1200" dirty="0" smtClean="0">
                 <a:solidFill>
                   <a:schemeClr val="tx1"/>
                 </a:solidFill>
@@ -743,7 +742,30 @@
               </a:rPr>
               <a:t>So hello everyone, in this part I'll summary all the previous topics and talk about something general.</a:t>
             </a:r>
-            <a:endParaRPr lang="zh-CN" altLang="zh-CN" sz="1200" kern="1200" dirty="0" smtClean="0">
+            <a:br>
+              <a:rPr lang="en-US" altLang="zh-CN" sz="1200" b="0" kern="1200" dirty="0" smtClean="0">
+                <a:solidFill>
+                  <a:schemeClr val="tx1"/>
+                </a:solidFill>
+                <a:effectLst/>
+                <a:latin typeface="+mn-lt"/>
+                <a:ea typeface="+mn-ea"/>
+                <a:cs typeface="+mn-cs"/>
+              </a:rPr>
+            </a:br>
+            <a:r>
+              <a:rPr lang="en-US" altLang="zh-CN" sz="1200" b="0" kern="1200" dirty="0" smtClean="0">
+                <a:solidFill>
+                  <a:schemeClr val="tx1"/>
+                </a:solidFill>
+                <a:effectLst/>
+                <a:latin typeface="+mn-lt"/>
+                <a:ea typeface="+mn-ea"/>
+                <a:cs typeface="+mn-cs"/>
+              </a:rPr>
+              <a:t>In the previous topics, we explored the applications of AI in personal, institutional and nationwide scope.</a:t>
+            </a:r>
+            <a:endParaRPr lang="en-US" altLang="zh-CN" sz="1200" b="0" kern="1200" dirty="0">
               <a:solidFill>
                 <a:schemeClr val="tx1"/>
               </a:solidFill>
@@ -752,32 +774,6 @@
               <a:ea typeface="+mn-ea"/>
               <a:cs typeface="+mn-cs"/>
             </a:endParaRPr>
-          </a:p>
-          <a:p>
-            <a:r>
-              <a:rPr lang="en-US" altLang="zh-CN" sz="1200" kern="1200" dirty="0" smtClean="0">
-                <a:solidFill>
-                  <a:schemeClr val="tx1"/>
-                </a:solidFill>
-                <a:effectLst/>
-                <a:latin typeface="+mn-lt"/>
-                <a:ea typeface="+mn-ea"/>
-                <a:cs typeface="+mn-cs"/>
-              </a:rPr>
-              <a:t>In the previous topics, we explored the applications of AI in personal, institutional and nationwide scope.</a:t>
-            </a:r>
-            <a:endParaRPr lang="zh-CN" altLang="zh-CN" sz="1200" kern="1200" dirty="0" smtClean="0">
-              <a:solidFill>
-                <a:schemeClr val="tx1"/>
-              </a:solidFill>
-              <a:effectLst/>
-              <a:latin typeface="+mn-lt"/>
-              <a:ea typeface="+mn-ea"/>
-              <a:cs typeface="+mn-cs"/>
-            </a:endParaRPr>
-          </a:p>
-          <a:p>
-            <a:endParaRPr lang="zh-CN" altLang="en-US" dirty="0"/>
           </a:p>
         </p:txBody>
       </p:sp>
@@ -871,8 +867,41 @@
                 <a:ea typeface="+mn-ea"/>
                 <a:cs typeface="+mn-cs"/>
               </a:rPr>
-              <a:t>This image indicates that, by 2015, the error rate of AI in image classification task is better that human!</a:t>
-            </a:r>
+              <a:t>For the future if AI in healthcare industry, maybe after tens or hundreds of years, AI could replace doctors and nurses. In the near future, AI can assist us in many areas. Once that is true, we don't have to wait long and pay much for </a:t>
+            </a:r>
+            <a:r>
+              <a:rPr lang="en-US" altLang="zh-CN" sz="1200" b="0" kern="1200" dirty="0" err="1" smtClean="0">
+                <a:solidFill>
+                  <a:schemeClr val="tx1"/>
+                </a:solidFill>
+                <a:effectLst/>
+                <a:latin typeface="+mn-lt"/>
+                <a:ea typeface="+mn-ea"/>
+                <a:cs typeface="+mn-cs"/>
+              </a:rPr>
+              <a:t>healthcaring</a:t>
+            </a:r>
+            <a:r>
+              <a:rPr lang="en-US" altLang="zh-CN" sz="1200" b="0" kern="1200" dirty="0" smtClean="0">
+                <a:solidFill>
+                  <a:schemeClr val="tx1"/>
+                </a:solidFill>
+                <a:effectLst/>
+                <a:latin typeface="+mn-lt"/>
+                <a:ea typeface="+mn-ea"/>
+                <a:cs typeface="+mn-cs"/>
+              </a:rPr>
+              <a:t>. One thing we need to worry about is the accountability, which means when an AI made some mistake, who will be in charge? Maybe we need further discussion and some regulations there.</a:t>
+            </a:r>
+            <a:endParaRPr lang="en-US" altLang="zh-CN" sz="1200" b="0" kern="1200" dirty="0">
+              <a:solidFill>
+                <a:schemeClr val="tx1"/>
+              </a:solidFill>
+              <a:effectLst/>
+              <a:latin typeface="+mn-lt"/>
+              <a:ea typeface="+mn-ea"/>
+              <a:cs typeface="+mn-cs"/>
+            </a:endParaRPr>
           </a:p>
         </p:txBody>
       </p:sp>
@@ -902,7 +931,7 @@
     </p:spTree>
     <p:extLst>
       <p:ext uri="{BB962C8B-B14F-4D97-AF65-F5344CB8AC3E}">
-        <p14:creationId xmlns:p14="http://schemas.microsoft.com/office/powerpoint/2010/main" val="2041117265"/>
+        <p14:creationId xmlns:p14="http://schemas.microsoft.com/office/powerpoint/2010/main" val="1018277741"/>
       </p:ext>
     </p:extLst>
   </p:cSld>
@@ -956,25 +985,8 @@
           <a:bodyPr/>
           <a:lstStyle/>
           <a:p>
-            <a:pPr marL="0" marR="0" indent="0" algn="l" defTabSz="914400" rtl="0" eaLnBrk="1" fontAlgn="auto" latinLnBrk="0" hangingPunct="1">
-              <a:lnSpc>
-                <a:spcPct val="100000"/>
-              </a:lnSpc>
-              <a:spcBef>
-                <a:spcPts val="0"/>
-              </a:spcBef>
-              <a:spcAft>
-                <a:spcPts val="0"/>
-              </a:spcAft>
-              <a:buClrTx/>
-              <a:buSzTx/>
-              <a:buFontTx/>
-              <a:buNone/>
-              <a:tabLst/>
-              <a:defRPr/>
-            </a:pPr>
-            <a:r>
-              <a:rPr lang="en-US" altLang="zh-CN" sz="1200" kern="1200" dirty="0" smtClean="0">
+            <a:r>
+              <a:rPr lang="en-US" altLang="zh-CN" sz="1200" b="0" kern="1200" dirty="0" smtClean="0">
                 <a:solidFill>
                   <a:schemeClr val="tx1"/>
                 </a:solidFill>
@@ -983,33 +995,9 @@
                 <a:ea typeface="+mn-ea"/>
                 <a:cs typeface="+mn-cs"/>
               </a:rPr>
-              <a:t>For the future if AI in healthcare industry, I think that the (currently assist) ultimate goal is to replace doctors and nurses. Once that is true, we don't have to wait long and pay much for </a:t>
-            </a:r>
-            <a:r>
-              <a:rPr lang="en-US" altLang="zh-CN" sz="1200" kern="1200" dirty="0" err="1" smtClean="0">
-                <a:solidFill>
-                  <a:schemeClr val="tx1"/>
-                </a:solidFill>
-                <a:effectLst/>
-                <a:latin typeface="+mn-lt"/>
-                <a:ea typeface="+mn-ea"/>
-                <a:cs typeface="+mn-cs"/>
-              </a:rPr>
-              <a:t>healthcaring</a:t>
-            </a:r>
-            <a:r>
-              <a:rPr lang="en-US" altLang="zh-CN" sz="1200" kern="1200" dirty="0" smtClean="0">
-                <a:solidFill>
-                  <a:schemeClr val="tx1"/>
-                </a:solidFill>
-                <a:effectLst/>
-                <a:latin typeface="+mn-lt"/>
-                <a:ea typeface="+mn-ea"/>
-                <a:cs typeface="+mn-cs"/>
-              </a:rPr>
-              <a:t>. One thing we need to worry about is the accountability, which means when an AI made some mistake, who will be in charge? Maybe we need further discussion and some regulations there.  ---- need smooth transition to the end</a:t>
-            </a:r>
-            <a:endParaRPr lang="zh-CN" altLang="zh-CN" sz="1200" kern="1200" dirty="0" smtClean="0">
+              <a:t>OK that's all, let's expect the bright future AI bring to us and thanks for your listening!</a:t>
+            </a:r>
+            <a:endParaRPr lang="en-US" altLang="zh-CN" sz="1200" b="0" kern="1200" dirty="0">
               <a:solidFill>
                 <a:schemeClr val="tx1"/>
               </a:solidFill>
@@ -1039,110 +1027,6 @@
             <a:fld id="{6FC40A10-6036-4879-816D-55C01FC94846}" type="slidenum">
               <a:rPr lang="ru-RU" smtClean="0"/>
               <a:t>11</a:t>
-            </a:fld>
-            <a:endParaRPr lang="ru-RU" dirty="0"/>
-          </a:p>
-        </p:txBody>
-      </p:sp>
-    </p:spTree>
-    <p:extLst>
-      <p:ext uri="{BB962C8B-B14F-4D97-AF65-F5344CB8AC3E}">
-        <p14:creationId xmlns:p14="http://schemas.microsoft.com/office/powerpoint/2010/main" val="1018277741"/>
-      </p:ext>
-    </p:extLst>
-  </p:cSld>
-  <p:clrMapOvr>
-    <a:masterClrMapping/>
-  </p:clrMapOvr>
-</p:notes>
-</file>
-
-<file path=ppt/notesSlides/notesSlide12.xml><?xml version="1.0" encoding="utf-8"?>
-<p:notes xmlns:a="http://schemas.openxmlformats.org/drawingml/2006/main" xmlns:r="http://schemas.openxmlformats.org/officeDocument/2006/relationships" xmlns:p="http://schemas.openxmlformats.org/presentationml/2006/main">
-  <p:cSld>
-    <p:spTree>
-      <p:nvGrpSpPr>
-        <p:cNvPr id="1" name=""/>
-        <p:cNvGrpSpPr/>
-        <p:nvPr/>
-      </p:nvGrpSpPr>
-      <p:grpSpPr>
-        <a:xfrm>
-          <a:off x="0" y="0"/>
-          <a:ext cx="0" cy="0"/>
-          <a:chOff x="0" y="0"/>
-          <a:chExt cx="0" cy="0"/>
-        </a:xfrm>
-      </p:grpSpPr>
-      <p:sp>
-        <p:nvSpPr>
-          <p:cNvPr id="2" name="Slide Image Placeholder 1"/>
-          <p:cNvSpPr>
-            <a:spLocks noGrp="1" noRot="1" noChangeAspect="1"/>
-          </p:cNvSpPr>
-          <p:nvPr>
-            <p:ph type="sldImg"/>
-          </p:nvPr>
-        </p:nvSpPr>
-        <p:spPr/>
-      </p:sp>
-      <p:sp>
-        <p:nvSpPr>
-          <p:cNvPr id="3" name="Notes Placeholder 2"/>
-          <p:cNvSpPr>
-            <a:spLocks noGrp="1"/>
-          </p:cNvSpPr>
-          <p:nvPr>
-            <p:ph type="body" idx="1"/>
-          </p:nvPr>
-        </p:nvSpPr>
-        <p:spPr/>
-        <p:txBody>
-          <a:bodyPr/>
-          <a:lstStyle/>
-          <a:p>
-            <a:r>
-              <a:rPr lang="en-US" altLang="zh-CN" sz="1200" kern="1200" dirty="0" smtClean="0">
-                <a:solidFill>
-                  <a:schemeClr val="tx1"/>
-                </a:solidFill>
-                <a:effectLst/>
-                <a:latin typeface="+mn-lt"/>
-                <a:ea typeface="+mn-ea"/>
-                <a:cs typeface="+mn-cs"/>
-              </a:rPr>
-              <a:t>OK that's all, thanks for your listening!</a:t>
-            </a:r>
-            <a:endParaRPr lang="zh-CN" altLang="zh-CN" sz="1200" kern="1200" dirty="0">
-              <a:solidFill>
-                <a:schemeClr val="tx1"/>
-              </a:solidFill>
-              <a:effectLst/>
-              <a:latin typeface="+mn-lt"/>
-              <a:ea typeface="+mn-ea"/>
-              <a:cs typeface="+mn-cs"/>
-            </a:endParaRPr>
-          </a:p>
-        </p:txBody>
-      </p:sp>
-      <p:sp>
-        <p:nvSpPr>
-          <p:cNvPr id="4" name="Slide Number Placeholder 3"/>
-          <p:cNvSpPr>
-            <a:spLocks noGrp="1"/>
-          </p:cNvSpPr>
-          <p:nvPr>
-            <p:ph type="sldNum" sz="quarter" idx="10"/>
-          </p:nvPr>
-        </p:nvSpPr>
-        <p:spPr/>
-        <p:txBody>
-          <a:bodyPr/>
-          <a:lstStyle/>
-          <a:p>
-            <a:fld id="{6FC40A10-6036-4879-816D-55C01FC94846}" type="slidenum">
-              <a:rPr lang="ru-RU" smtClean="0"/>
-              <a:t>12</a:t>
             </a:fld>
             <a:endParaRPr lang="ru-RU" dirty="0"/>
           </a:p>
@@ -1206,7 +1090,7 @@
           <a:lstStyle/>
           <a:p>
             <a:r>
-              <a:rPr lang="en-US" altLang="zh-CN" sz="1200" kern="1200" dirty="0" smtClean="0">
+              <a:rPr lang="en-US" altLang="zh-CN" sz="1200" b="0" kern="1200" dirty="0" smtClean="0">
                 <a:solidFill>
                   <a:schemeClr val="tx1"/>
                 </a:solidFill>
@@ -1215,9 +1099,84 @@
                 <a:ea typeface="+mn-ea"/>
                 <a:cs typeface="+mn-cs"/>
               </a:rPr>
-              <a:t>In the personal scope, AI can help us detect cancer in early stage, as well as many applications in pathology. Here are some important points of it.</a:t>
-            </a:r>
-            <a:endParaRPr lang="zh-CN" altLang="zh-CN" sz="1200" kern="1200" dirty="0" smtClean="0">
+              <a:t>In the personal </a:t>
+            </a:r>
+            <a:r>
+              <a:rPr lang="en-US" altLang="zh-CN" sz="1200" b="0" kern="1200" dirty="0" err="1" smtClean="0">
+                <a:solidFill>
+                  <a:schemeClr val="tx1"/>
+                </a:solidFill>
+                <a:effectLst/>
+                <a:latin typeface="+mn-lt"/>
+                <a:ea typeface="+mn-ea"/>
+                <a:cs typeface="+mn-cs"/>
+              </a:rPr>
+              <a:t>scpope</a:t>
+            </a:r>
+            <a:r>
+              <a:rPr lang="en-US" altLang="zh-CN" sz="1200" b="0" kern="1200" dirty="0" smtClean="0">
+                <a:solidFill>
+                  <a:schemeClr val="tx1"/>
+                </a:solidFill>
+                <a:effectLst/>
+                <a:latin typeface="+mn-lt"/>
+                <a:ea typeface="+mn-ea"/>
+                <a:cs typeface="+mn-cs"/>
+              </a:rPr>
+              <a:t>, AI can help us detect cancer in early stage, as well as many applications in pathology.</a:t>
+            </a:r>
+            <a:br>
+              <a:rPr lang="en-US" altLang="zh-CN" sz="1200" b="0" kern="1200" dirty="0" smtClean="0">
+                <a:solidFill>
+                  <a:schemeClr val="tx1"/>
+                </a:solidFill>
+                <a:effectLst/>
+                <a:latin typeface="+mn-lt"/>
+                <a:ea typeface="+mn-ea"/>
+                <a:cs typeface="+mn-cs"/>
+              </a:rPr>
+            </a:br>
+            <a:r>
+              <a:rPr lang="en-US" altLang="zh-CN" sz="1200" b="0" kern="1200" dirty="0" smtClean="0">
+                <a:solidFill>
+                  <a:schemeClr val="tx1"/>
+                </a:solidFill>
+                <a:effectLst/>
+                <a:latin typeface="+mn-lt"/>
+                <a:ea typeface="+mn-ea"/>
+                <a:cs typeface="+mn-cs"/>
+              </a:rPr>
+              <a:t>- Computer Vision is an important area in diagnostic applications</a:t>
+            </a:r>
+          </a:p>
+          <a:p>
+            <a:r>
+              <a:rPr lang="en-US" altLang="zh-CN" sz="1200" b="0" kern="1200" dirty="0" smtClean="0">
+                <a:solidFill>
+                  <a:schemeClr val="tx1"/>
+                </a:solidFill>
+                <a:effectLst/>
+                <a:latin typeface="+mn-lt"/>
+                <a:ea typeface="+mn-ea"/>
+                <a:cs typeface="+mn-cs"/>
+              </a:rPr>
+              <a:t>- One important thing that limits the further improvements in _medical image recognition_ is the lack of data.</a:t>
+            </a:r>
+          </a:p>
+          <a:p>
+            <a:r>
+              <a:rPr lang="en-US" altLang="zh-CN" sz="1200" b="0" kern="1200" dirty="0" smtClean="0">
+                <a:solidFill>
+                  <a:schemeClr val="tx1"/>
+                </a:solidFill>
+                <a:effectLst/>
+                <a:latin typeface="+mn-lt"/>
+                <a:ea typeface="+mn-ea"/>
+                <a:cs typeface="+mn-cs"/>
+              </a:rPr>
+              <a:t>- medical device that provides accurate and reliable medical diagnostics is a huge profitable market.</a:t>
+            </a:r>
+            <a:endParaRPr lang="en-US" altLang="zh-CN" sz="1200" b="0" kern="1200" dirty="0">
               <a:solidFill>
                 <a:schemeClr val="tx1"/>
               </a:solidFill>
@@ -1226,101 +1185,6 @@
               <a:ea typeface="+mn-ea"/>
               <a:cs typeface="+mn-cs"/>
             </a:endParaRPr>
-          </a:p>
-          <a:p>
-            <a:r>
-              <a:rPr lang="en-US" altLang="zh-CN" sz="1200" kern="1200" dirty="0" smtClean="0">
-                <a:solidFill>
-                  <a:schemeClr val="tx1"/>
-                </a:solidFill>
-                <a:effectLst/>
-                <a:latin typeface="+mn-lt"/>
-                <a:ea typeface="+mn-ea"/>
-                <a:cs typeface="+mn-cs"/>
-              </a:rPr>
-              <a:t> </a:t>
-            </a:r>
-            <a:endParaRPr lang="zh-CN" altLang="zh-CN" sz="1200" kern="1200" dirty="0" smtClean="0">
-              <a:solidFill>
-                <a:schemeClr val="tx1"/>
-              </a:solidFill>
-              <a:effectLst/>
-              <a:latin typeface="+mn-lt"/>
-              <a:ea typeface="+mn-ea"/>
-              <a:cs typeface="+mn-cs"/>
-            </a:endParaRPr>
-          </a:p>
-          <a:p>
-            <a:r>
-              <a:rPr lang="en-US" altLang="zh-CN" sz="1200" kern="1200" dirty="0" smtClean="0">
-                <a:solidFill>
-                  <a:schemeClr val="tx1"/>
-                </a:solidFill>
-                <a:effectLst/>
-                <a:latin typeface="+mn-lt"/>
-                <a:ea typeface="+mn-ea"/>
-                <a:cs typeface="+mn-cs"/>
-              </a:rPr>
-              <a:t>- Computer Vision is an important area in diagnostic applications</a:t>
-            </a:r>
-            <a:endParaRPr lang="zh-CN" altLang="zh-CN" sz="1200" kern="1200" dirty="0" smtClean="0">
-              <a:solidFill>
-                <a:schemeClr val="tx1"/>
-              </a:solidFill>
-              <a:effectLst/>
-              <a:latin typeface="+mn-lt"/>
-              <a:ea typeface="+mn-ea"/>
-              <a:cs typeface="+mn-cs"/>
-            </a:endParaRPr>
-          </a:p>
-          <a:p>
-            <a:r>
-              <a:rPr lang="en-US" altLang="zh-CN" sz="1200" kern="1200" dirty="0" smtClean="0">
-                <a:solidFill>
-                  <a:schemeClr val="tx1"/>
-                </a:solidFill>
-                <a:effectLst/>
-                <a:latin typeface="+mn-lt"/>
-                <a:ea typeface="+mn-ea"/>
-                <a:cs typeface="+mn-cs"/>
-              </a:rPr>
-              <a:t>- One important thing that limits the further improvements in _medical image recognition_ is the lack of data.</a:t>
-            </a:r>
-            <a:endParaRPr lang="zh-CN" altLang="zh-CN" sz="1200" kern="1200" dirty="0" smtClean="0">
-              <a:solidFill>
-                <a:schemeClr val="tx1"/>
-              </a:solidFill>
-              <a:effectLst/>
-              <a:latin typeface="+mn-lt"/>
-              <a:ea typeface="+mn-ea"/>
-              <a:cs typeface="+mn-cs"/>
-            </a:endParaRPr>
-          </a:p>
-          <a:p>
-            <a:r>
-              <a:rPr lang="en-US" altLang="zh-CN" sz="1200" kern="1200" dirty="0" smtClean="0">
-                <a:solidFill>
-                  <a:schemeClr val="tx1"/>
-                </a:solidFill>
-                <a:effectLst/>
-                <a:latin typeface="+mn-lt"/>
-                <a:ea typeface="+mn-ea"/>
-                <a:cs typeface="+mn-cs"/>
-              </a:rPr>
-              <a:t>- medical device that provides accurate and reliable medical diagnostics is a huge profitable market.</a:t>
-            </a:r>
-            <a:endParaRPr lang="zh-CN" altLang="zh-CN" sz="1200" kern="1200" dirty="0" smtClean="0">
-              <a:solidFill>
-                <a:schemeClr val="tx1"/>
-              </a:solidFill>
-              <a:effectLst/>
-              <a:latin typeface="+mn-lt"/>
-              <a:ea typeface="+mn-ea"/>
-              <a:cs typeface="+mn-cs"/>
-            </a:endParaRPr>
-          </a:p>
-          <a:p>
-            <a:endParaRPr lang="zh-CN" altLang="en-US" dirty="0"/>
           </a:p>
         </p:txBody>
       </p:sp>
@@ -1404,23 +1268,6 @@
           <a:bodyPr/>
           <a:lstStyle/>
           <a:p>
-            <a:pPr marL="0" marR="0" indent="0" algn="l" defTabSz="914400" rtl="0" eaLnBrk="1" fontAlgn="auto" latinLnBrk="0" hangingPunct="1">
-              <a:lnSpc>
-                <a:spcPct val="100000"/>
-              </a:lnSpc>
-              <a:spcBef>
-                <a:spcPts val="0"/>
-              </a:spcBef>
-              <a:spcAft>
-                <a:spcPts val="0"/>
-              </a:spcAft>
-              <a:buClrTx/>
-              <a:buSzTx/>
-              <a:buFontTx/>
-              <a:buNone/>
-              <a:tabLst/>
-              <a:defRPr/>
-            </a:pPr>
             <a:r>
               <a:rPr lang="en-US" altLang="zh-CN" sz="1200" b="0" kern="1200" dirty="0" smtClean="0">
                 <a:solidFill>
@@ -1431,7 +1278,7 @@
                 <a:ea typeface="+mn-ea"/>
                 <a:cs typeface="+mn-cs"/>
               </a:rPr>
-              <a:t>In the institutional scope, we see that there are some problems in current healthcare institutions, and AI can help us with the management. Also, AI helps a lot in biomedical research. It's a perfect tool to </a:t>
+              <a:t>In the institutional scope, we see that there are some problems in traditional hospital management. An example that AI helps in the management is the </a:t>
             </a:r>
             <a:r>
               <a:rPr lang="en-US" altLang="zh-CN" sz="1200" b="0" kern="1200" dirty="0" err="1" smtClean="0">
@@ -1443,7 +1290,7 @@
                 <a:ea typeface="+mn-ea"/>
                 <a:cs typeface="+mn-cs"/>
               </a:rPr>
-              <a:t>analyse</a:t>
+              <a:t>Qventus</a:t>
             </a:r>
             <a:r>
               <a:rPr lang="en-US" altLang="zh-CN" sz="1200" b="0" kern="1200" dirty="0" smtClean="0">
@@ -1455,11 +1302,41 @@
                 <a:ea typeface="+mn-ea"/>
                 <a:cs typeface="+mn-cs"/>
               </a:rPr>
-              <a:t> large amount of data and extract patterns behind it. That's really useful in drug discovery. Never the less, AI can be your personal health expert, working as online doctor consultations.</a:t>
-            </a:r>
-          </a:p>
-          <a:p>
-            <a:endParaRPr lang="zh-CN" altLang="en-US" dirty="0"/>
+              <a:t>. We illustrated how </a:t>
+            </a:r>
+            <a:r>
+              <a:rPr lang="en-US" altLang="zh-CN" sz="1200" b="0" kern="1200" dirty="0" err="1" smtClean="0">
+                <a:solidFill>
+                  <a:schemeClr val="tx1"/>
+                </a:solidFill>
+                <a:effectLst/>
+                <a:latin typeface="+mn-lt"/>
+                <a:ea typeface="+mn-ea"/>
+                <a:cs typeface="+mn-cs"/>
+              </a:rPr>
+              <a:t>Qventus</a:t>
+            </a:r>
+            <a:r>
+              <a:rPr lang="en-US" altLang="zh-CN" sz="1200" b="0" kern="1200" dirty="0" smtClean="0">
+                <a:solidFill>
+                  <a:schemeClr val="tx1"/>
+                </a:solidFill>
+                <a:effectLst/>
+                <a:latin typeface="+mn-lt"/>
+                <a:ea typeface="+mn-ea"/>
+                <a:cs typeface="+mn-cs"/>
+              </a:rPr>
+              <a:t> works and some other achievements AI has made in hospital management.</a:t>
+            </a:r>
+            <a:endParaRPr lang="en-US" altLang="zh-CN" sz="1200" b="0" kern="1200" dirty="0">
+              <a:solidFill>
+                <a:schemeClr val="tx1"/>
+              </a:solidFill>
+              <a:effectLst/>
+              <a:latin typeface="+mn-lt"/>
+              <a:ea typeface="+mn-ea"/>
+              <a:cs typeface="+mn-cs"/>
+            </a:endParaRPr>
           </a:p>
         </p:txBody>
       </p:sp>
@@ -1544,7 +1421,7 @@
           <a:lstStyle/>
           <a:p>
             <a:r>
-              <a:rPr lang="en-US" altLang="zh-CN" sz="1200" kern="1200" dirty="0" smtClean="0">
+              <a:rPr lang="en-US" altLang="zh-CN" sz="1200" b="0" kern="1200" dirty="0" smtClean="0">
                 <a:solidFill>
                   <a:schemeClr val="tx1"/>
                 </a:solidFill>
@@ -1553,33 +1430,9 @@
                 <a:ea typeface="+mn-ea"/>
                 <a:cs typeface="+mn-cs"/>
               </a:rPr>
-              <a:t>In the nationwide scope, still, AI cannot replace the human in the entire diagnostic process, but it can help with the automation of trivial tasks, enabling the most urgent studies to be reviewed first and allowing specialist staff to</a:t>
-            </a:r>
-            <a:r>
-              <a:rPr lang="en-US" altLang="zh-CN" sz="1200" kern="1200" baseline="0" dirty="0" smtClean="0">
-                <a:solidFill>
-                  <a:schemeClr val="tx1"/>
-                </a:solidFill>
-                <a:effectLst/>
-                <a:latin typeface="+mn-lt"/>
-                <a:ea typeface="+mn-ea"/>
-                <a:cs typeface="+mn-cs"/>
-              </a:rPr>
-              <a:t> focus on</a:t>
-            </a:r>
-            <a:r>
-              <a:rPr lang="en-US" altLang="zh-CN" sz="1200" kern="1200" dirty="0" smtClean="0">
-                <a:solidFill>
-                  <a:schemeClr val="tx1"/>
-                </a:solidFill>
-                <a:effectLst/>
-                <a:latin typeface="+mn-lt"/>
-                <a:ea typeface="+mn-ea"/>
-                <a:cs typeface="+mn-cs"/>
-              </a:rPr>
-              <a:t> more complex cases.</a:t>
-            </a:r>
-            <a:endParaRPr lang="zh-CN" altLang="zh-CN" sz="1200" kern="1200" dirty="0">
+              <a:t>In the nationwide scope, although AI has carried so much hope, it cannot replace the human in the entire diagnostic process in the short term. but it can help with the automation of trivial tasks, which will allow specialists to focus on more complex cases. Also, it is reassuring to see the government's commitment to this crucial area, that's a huge supplement in medical resources, which contributes to public health dramatically.</a:t>
+            </a:r>
+            <a:endParaRPr lang="en-US" altLang="zh-CN" sz="1200" b="0" kern="1200" dirty="0">
               <a:solidFill>
                 <a:schemeClr val="tx1"/>
               </a:solidFill>
@@ -1617,7 +1470,7 @@
     </p:spTree>
     <p:extLst>
       <p:ext uri="{BB962C8B-B14F-4D97-AF65-F5344CB8AC3E}">
-        <p14:creationId xmlns:p14="http://schemas.microsoft.com/office/powerpoint/2010/main" val="1164579058"/>
+        <p14:creationId xmlns:p14="http://schemas.microsoft.com/office/powerpoint/2010/main" val="365224833"/>
       </p:ext>
     </p:extLst>
   </p:cSld>
@@ -1672,7 +1525,7 @@
           <a:lstStyle/>
           <a:p>
             <a:r>
-              <a:rPr lang="en-US" altLang="zh-CN" sz="1200" kern="1200" dirty="0" err="1" smtClean="0">
+              <a:rPr lang="en-US" altLang="zh-CN" sz="1200" b="0" kern="1200" dirty="0" err="1" smtClean="0">
                 <a:solidFill>
                   <a:schemeClr val="tx1"/>
                 </a:solidFill>
@@ -1684,7 +1537,7 @@
               <a:t>Thats</a:t>
             </a:r>
             <a:r>
-              <a:rPr lang="en-US" altLang="zh-CN" sz="1200" kern="1200" dirty="0" smtClean="0">
+              <a:rPr lang="en-US" altLang="zh-CN" sz="1200" b="0" kern="1200" dirty="0" smtClean="0">
                 <a:solidFill>
                   <a:schemeClr val="tx1"/>
                 </a:solidFill>
@@ -1695,7 +1548,15 @@
               </a:rPr>
               <a:t> all we've presented before, beyond that, I want to talk something more general.</a:t>
             </a:r>
-            <a:endParaRPr lang="zh-CN" altLang="en-US" dirty="0"/>
+            <a:endParaRPr lang="en-US" altLang="zh-CN" sz="1200" b="0" kern="1200" dirty="0">
+              <a:solidFill>
+                <a:schemeClr val="tx1"/>
+              </a:solidFill>
+              <a:effectLst/>
+              <a:latin typeface="+mn-lt"/>
+              <a:ea typeface="+mn-ea"/>
+              <a:cs typeface="+mn-cs"/>
+            </a:endParaRPr>
           </a:p>
         </p:txBody>
       </p:sp>
@@ -1780,7 +1641,7 @@
           <a:lstStyle/>
           <a:p>
             <a:r>
-              <a:rPr lang="en-US" altLang="zh-CN" sz="1200" kern="1200" dirty="0" smtClean="0">
+              <a:rPr lang="en-US" altLang="zh-CN" sz="1200" b="0" kern="1200" dirty="0" smtClean="0">
                 <a:solidFill>
                   <a:schemeClr val="tx1"/>
                 </a:solidFill>
@@ -1789,33 +1650,9 @@
                 <a:ea typeface="+mn-ea"/>
                 <a:cs typeface="+mn-cs"/>
               </a:rPr>
-              <a:t>First is, what's the ultimate goal of us in building artificial intelligence? In my opinion, we are trying to liberate human. There are all kinds of jobs, include dangerous jobs like stunt actor, builder and soldier; include boring and error prone jobs like driver; including special jobs like</a:t>
-            </a:r>
-            <a:r>
-              <a:rPr lang="en-US" altLang="zh-CN" sz="1200" kern="1200" baseline="0" dirty="0" smtClean="0">
-                <a:solidFill>
-                  <a:schemeClr val="tx1"/>
-                </a:solidFill>
-                <a:effectLst/>
-                <a:latin typeface="+mn-lt"/>
-                <a:ea typeface="+mn-ea"/>
-                <a:cs typeface="+mn-cs"/>
-              </a:rPr>
-              <a:t> XXX</a:t>
-            </a:r>
-            <a:r>
-              <a:rPr lang="en-US" altLang="zh-CN" sz="1200" kern="1200" dirty="0" smtClean="0">
-                <a:solidFill>
-                  <a:schemeClr val="tx1"/>
-                </a:solidFill>
-                <a:effectLst/>
-                <a:latin typeface="+mn-lt"/>
-                <a:ea typeface="+mn-ea"/>
-                <a:cs typeface="+mn-cs"/>
-              </a:rPr>
-              <a:t>. The ultimate goal of AI is to liberate human from these kinds of jobs. Of course the world is not a Utopia and most of the investigations are driven by the market, but we're kind of doing the same things.</a:t>
-            </a:r>
-            <a:endParaRPr lang="zh-CN" altLang="zh-CN" sz="1200" kern="1200" dirty="0">
+              <a:t>First is, what's the ultimate goal of us in building artificial intelligence? In my opinion, we are trying to liberate human. There are all kinds of jobs, include dangerous jobs like stunt actor, builder and soldier; include boring and error prone jobs like driver; including special jobs like teachers. The ultimate goal of AI is to liberate human from these kinds of jobs. Of course the world is not a Utopia and most of the investigations are driven by the market, but we're kind of doing the same things.</a:t>
+            </a:r>
+            <a:endParaRPr lang="en-US" altLang="zh-CN" sz="1200" b="0" kern="1200" dirty="0">
               <a:solidFill>
                 <a:schemeClr val="tx1"/>
               </a:solidFill>
@@ -24459,47 +24296,6 @@
       </p:sp>
       <p:sp>
         <p:nvSpPr>
-          <p:cNvPr id="10" name="Picture Placeholder 10">
-            <a:extLst>
-              <a:ext uri="{FF2B5EF4-FFF2-40B4-BE49-F238E27FC236}">
-                <a16:creationId xmlns:a16="http://schemas.microsoft.com/office/drawing/2014/main" id="{A541F291-2E4B-474E-9ED0-55C97A2A066D}"/>
-              </a:ext>
-            </a:extLst>
-          </p:cNvPr>
-          <p:cNvSpPr>
-            <a:spLocks noGrp="1"/>
-          </p:cNvSpPr>
-          <p:nvPr>
-            <p:ph type="pic" sz="quarter" idx="13"/>
-          </p:nvPr>
-        </p:nvSpPr>
-        <p:spPr>
-          <a:xfrm>
-            <a:off x="831850" y="859665"/>
-            <a:ext cx="1078992" cy="548640"/>
-          </a:xfrm>
-        </p:spPr>
-        <p:txBody>
-          <a:bodyPr anchor="ctr" anchorCtr="0">
-            <a:normAutofit/>
-          </a:bodyPr>
-          <a:lstStyle>
-            <a:lvl1pPr marL="0" indent="0" algn="ctr">
-              <a:buNone/>
-              <a:defRPr sz="1200"/>
-            </a:lvl1pPr>
-          </a:lstStyle>
-          <a:p>
-            <a:r>
-              <a:rPr lang="en-US" altLang="zh-CN" smtClean="0"/>
-              <a:t>Click icon to add picture</a:t>
-            </a:r>
-            <a:endParaRPr lang="ru-RU" dirty="0"/>
-          </a:p>
-        </p:txBody>
-      </p:sp>
-      <p:sp>
-        <p:nvSpPr>
           <p:cNvPr id="21" name="Title 1">
             <a:extLst>
               <a:ext uri="{FF2B5EF4-FFF2-40B4-BE49-F238E27FC236}">
@@ -24516,7 +24312,7 @@
         </p:nvSpPr>
         <p:spPr>
           <a:xfrm>
-            <a:off x="809959" y="1546091"/>
+            <a:off x="628747" y="2746241"/>
             <a:ext cx="4846923" cy="1091078"/>
           </a:xfrm>
         </p:spPr>
@@ -24538,601 +24334,6 @@
           </a:p>
         </p:txBody>
       </p:sp>
-      <p:sp>
-        <p:nvSpPr>
-          <p:cNvPr id="22" name="Text Placeholder 3">
-            <a:extLst>
-              <a:ext uri="{FF2B5EF4-FFF2-40B4-BE49-F238E27FC236}">
-                <a16:creationId xmlns:a16="http://schemas.microsoft.com/office/drawing/2014/main" id="{FC5C0DA6-1B31-4BDF-BAEB-BF7978102847}"/>
-              </a:ext>
-            </a:extLst>
-          </p:cNvPr>
-          <p:cNvSpPr>
-            <a:spLocks noGrp="1"/>
-          </p:cNvSpPr>
-          <p:nvPr>
-            <p:ph type="body" sz="quarter" idx="15" hasCustomPrompt="1"/>
-          </p:nvPr>
-        </p:nvSpPr>
-        <p:spPr>
-          <a:xfrm>
-            <a:off x="825335" y="3083960"/>
-            <a:ext cx="4586288" cy="509472"/>
-          </a:xfrm>
-        </p:spPr>
-        <p:txBody>
-          <a:bodyPr lIns="0" tIns="0" rIns="0" bIns="0" anchor="b" anchorCtr="0">
-            <a:noAutofit/>
-          </a:bodyPr>
-          <a:lstStyle>
-            <a:lvl1pPr marL="0" indent="0">
-              <a:buNone/>
-              <a:defRPr sz="2800" b="0">
-                <a:solidFill>
-                  <a:schemeClr val="tx1"/>
-                </a:solidFill>
-                <a:latin typeface="+mj-lt"/>
-              </a:defRPr>
-            </a:lvl1pPr>
-            <a:lvl2pPr marL="457200" indent="0">
-              <a:buNone/>
-              <a:defRPr sz="3600" b="1">
-                <a:solidFill>
-                  <a:schemeClr val="bg2"/>
-                </a:solidFill>
-                <a:latin typeface="+mj-lt"/>
-              </a:defRPr>
-            </a:lvl2pPr>
-            <a:lvl3pPr marL="914400" indent="0">
-              <a:buNone/>
-              <a:defRPr sz="3600" b="1">
-                <a:solidFill>
-                  <a:schemeClr val="bg2"/>
-                </a:solidFill>
-                <a:latin typeface="+mj-lt"/>
-              </a:defRPr>
-            </a:lvl3pPr>
-            <a:lvl4pPr marL="1371600" indent="0">
-              <a:buNone/>
-              <a:defRPr sz="3600" b="1">
-                <a:solidFill>
-                  <a:schemeClr val="bg2"/>
-                </a:solidFill>
-                <a:latin typeface="+mj-lt"/>
-              </a:defRPr>
-            </a:lvl4pPr>
-            <a:lvl5pPr marL="1828800" indent="0">
-              <a:buNone/>
-              <a:defRPr sz="3600" b="1">
-                <a:solidFill>
-                  <a:schemeClr val="bg2"/>
-                </a:solidFill>
-                <a:latin typeface="+mj-lt"/>
-              </a:defRPr>
-            </a:lvl5pPr>
-          </a:lstStyle>
-          <a:p>
-            <a:pPr lvl="0"/>
-            <a:r>
-              <a:rPr lang="en-US" dirty="0"/>
-              <a:t>August Bergqvist</a:t>
-            </a:r>
-            <a:endParaRPr lang="ru-RU" dirty="0"/>
-          </a:p>
-        </p:txBody>
-      </p:sp>
-      <p:sp>
-        <p:nvSpPr>
-          <p:cNvPr id="23" name="Text Placeholder 3">
-            <a:extLst>
-              <a:ext uri="{FF2B5EF4-FFF2-40B4-BE49-F238E27FC236}">
-                <a16:creationId xmlns:a16="http://schemas.microsoft.com/office/drawing/2014/main" id="{5E1647C9-9AC1-4500-A56E-94CABC656E0C}"/>
-              </a:ext>
-            </a:extLst>
-          </p:cNvPr>
-          <p:cNvSpPr>
-            <a:spLocks noGrp="1"/>
-          </p:cNvSpPr>
-          <p:nvPr>
-            <p:ph type="body" sz="quarter" idx="16" hasCustomPrompt="1"/>
-          </p:nvPr>
-        </p:nvSpPr>
-        <p:spPr>
-          <a:xfrm>
-            <a:off x="831850" y="3703834"/>
-            <a:ext cx="4586288" cy="230941"/>
-          </a:xfrm>
-        </p:spPr>
-        <p:txBody>
-          <a:bodyPr lIns="0" tIns="0" rIns="0" bIns="0">
-            <a:noAutofit/>
-          </a:bodyPr>
-          <a:lstStyle>
-            <a:lvl1pPr marL="0" indent="0">
-              <a:buNone/>
-              <a:defRPr sz="1700" b="0" i="1">
-                <a:solidFill>
-                  <a:schemeClr val="tx1"/>
-                </a:solidFill>
-                <a:latin typeface="+mn-lt"/>
-                <a:cs typeface="Segoe UI" panose="020B0502040204020203" pitchFamily="34" charset="0"/>
-              </a:defRPr>
-            </a:lvl1pPr>
-            <a:lvl2pPr marL="457200" indent="0">
-              <a:buNone/>
-              <a:defRPr sz="3600" b="1">
-                <a:solidFill>
-                  <a:schemeClr val="bg2"/>
-                </a:solidFill>
-                <a:latin typeface="+mj-lt"/>
-              </a:defRPr>
-            </a:lvl2pPr>
-            <a:lvl3pPr marL="914400" indent="0">
-              <a:buNone/>
-              <a:defRPr sz="3600" b="1">
-                <a:solidFill>
-                  <a:schemeClr val="bg2"/>
-                </a:solidFill>
-                <a:latin typeface="+mj-lt"/>
-              </a:defRPr>
-            </a:lvl3pPr>
-            <a:lvl4pPr marL="1371600" indent="0">
-              <a:buNone/>
-              <a:defRPr sz="3600" b="1">
-                <a:solidFill>
-                  <a:schemeClr val="bg2"/>
-                </a:solidFill>
-                <a:latin typeface="+mj-lt"/>
-              </a:defRPr>
-            </a:lvl4pPr>
-            <a:lvl5pPr marL="1828800" indent="0">
-              <a:buNone/>
-              <a:defRPr sz="3600" b="1">
-                <a:solidFill>
-                  <a:schemeClr val="bg2"/>
-                </a:solidFill>
-                <a:latin typeface="+mj-lt"/>
-              </a:defRPr>
-            </a:lvl5pPr>
-          </a:lstStyle>
-          <a:p>
-            <a:pPr lvl="0"/>
-            <a:r>
-              <a:rPr lang="en-US" dirty="0"/>
-              <a:t>Phone:</a:t>
-            </a:r>
-            <a:endParaRPr lang="ru-RU" dirty="0"/>
-          </a:p>
-        </p:txBody>
-      </p:sp>
-      <p:sp>
-        <p:nvSpPr>
-          <p:cNvPr id="24" name="Text Placeholder 3">
-            <a:extLst>
-              <a:ext uri="{FF2B5EF4-FFF2-40B4-BE49-F238E27FC236}">
-                <a16:creationId xmlns:a16="http://schemas.microsoft.com/office/drawing/2014/main" id="{8605CECB-8164-4428-B478-98C42902F9FC}"/>
-              </a:ext>
-            </a:extLst>
-          </p:cNvPr>
-          <p:cNvSpPr>
-            <a:spLocks noGrp="1"/>
-          </p:cNvSpPr>
-          <p:nvPr>
-            <p:ph type="body" sz="quarter" idx="17" hasCustomPrompt="1"/>
-          </p:nvPr>
-        </p:nvSpPr>
-        <p:spPr>
-          <a:xfrm>
-            <a:off x="824950" y="3946707"/>
-            <a:ext cx="4586288" cy="290167"/>
-          </a:xfrm>
-        </p:spPr>
-        <p:txBody>
-          <a:bodyPr lIns="0" tIns="0" rIns="0" bIns="0">
-            <a:noAutofit/>
-          </a:bodyPr>
-          <a:lstStyle>
-            <a:lvl1pPr marL="0" indent="0">
-              <a:buNone/>
-              <a:defRPr sz="2000" b="1">
-                <a:solidFill>
-                  <a:schemeClr val="bg2"/>
-                </a:solidFill>
-                <a:latin typeface="+mj-lt"/>
-              </a:defRPr>
-            </a:lvl1pPr>
-            <a:lvl2pPr marL="457200" indent="0">
-              <a:buNone/>
-              <a:defRPr sz="3600" b="1">
-                <a:solidFill>
-                  <a:schemeClr val="bg2"/>
-                </a:solidFill>
-                <a:latin typeface="+mj-lt"/>
-              </a:defRPr>
-            </a:lvl2pPr>
-            <a:lvl3pPr marL="914400" indent="0">
-              <a:buNone/>
-              <a:defRPr sz="3600" b="1">
-                <a:solidFill>
-                  <a:schemeClr val="bg2"/>
-                </a:solidFill>
-                <a:latin typeface="+mj-lt"/>
-              </a:defRPr>
-            </a:lvl3pPr>
-            <a:lvl4pPr marL="1371600" indent="0">
-              <a:buNone/>
-              <a:defRPr sz="3600" b="1">
-                <a:solidFill>
-                  <a:schemeClr val="bg2"/>
-                </a:solidFill>
-                <a:latin typeface="+mj-lt"/>
-              </a:defRPr>
-            </a:lvl4pPr>
-            <a:lvl5pPr marL="1828800" indent="0">
-              <a:buNone/>
-              <a:defRPr sz="3600" b="1">
-                <a:solidFill>
-                  <a:schemeClr val="bg2"/>
-                </a:solidFill>
-                <a:latin typeface="+mj-lt"/>
-              </a:defRPr>
-            </a:lvl5pPr>
-          </a:lstStyle>
-          <a:p>
-            <a:pPr lvl="0"/>
-            <a:r>
-              <a:rPr lang="en-US" dirty="0"/>
-              <a:t>+7 888 999-000-11</a:t>
-            </a:r>
-            <a:endParaRPr lang="ru-RU" dirty="0"/>
-          </a:p>
-        </p:txBody>
-      </p:sp>
-      <p:sp>
-        <p:nvSpPr>
-          <p:cNvPr id="25" name="Text Placeholder 3">
-            <a:extLst>
-              <a:ext uri="{FF2B5EF4-FFF2-40B4-BE49-F238E27FC236}">
-                <a16:creationId xmlns:a16="http://schemas.microsoft.com/office/drawing/2014/main" id="{D39B56C4-E128-4995-91CC-64C268BC7603}"/>
-              </a:ext>
-            </a:extLst>
-          </p:cNvPr>
-          <p:cNvSpPr>
-            <a:spLocks noGrp="1"/>
-          </p:cNvSpPr>
-          <p:nvPr>
-            <p:ph type="body" sz="quarter" idx="18" hasCustomPrompt="1"/>
-          </p:nvPr>
-        </p:nvSpPr>
-        <p:spPr>
-          <a:xfrm>
-            <a:off x="838750" y="4423954"/>
-            <a:ext cx="4586288" cy="230941"/>
-          </a:xfrm>
-        </p:spPr>
-        <p:txBody>
-          <a:bodyPr lIns="0" tIns="0" rIns="0" bIns="0">
-            <a:noAutofit/>
-          </a:bodyPr>
-          <a:lstStyle>
-            <a:lvl1pPr marL="0" indent="0">
-              <a:buNone/>
-              <a:defRPr lang="ru-RU" sz="1700" b="0" i="1" kern="1200" dirty="0">
-                <a:solidFill>
-                  <a:schemeClr val="tx1"/>
-                </a:solidFill>
-                <a:latin typeface="+mn-lt"/>
-                <a:ea typeface="+mn-ea"/>
-                <a:cs typeface="Segoe UI" panose="020B0502040204020203" pitchFamily="34" charset="0"/>
-              </a:defRPr>
-            </a:lvl1pPr>
-            <a:lvl2pPr marL="457200" indent="0">
-              <a:buNone/>
-              <a:defRPr sz="3600" b="1">
-                <a:solidFill>
-                  <a:schemeClr val="bg2"/>
-                </a:solidFill>
-                <a:latin typeface="+mj-lt"/>
-              </a:defRPr>
-            </a:lvl2pPr>
-            <a:lvl3pPr marL="914400" indent="0">
-              <a:buNone/>
-              <a:defRPr sz="3600" b="1">
-                <a:solidFill>
-                  <a:schemeClr val="bg2"/>
-                </a:solidFill>
-                <a:latin typeface="+mj-lt"/>
-              </a:defRPr>
-            </a:lvl3pPr>
-            <a:lvl4pPr marL="1371600" indent="0">
-              <a:buNone/>
-              <a:defRPr sz="3600" b="1">
-                <a:solidFill>
-                  <a:schemeClr val="bg2"/>
-                </a:solidFill>
-                <a:latin typeface="+mj-lt"/>
-              </a:defRPr>
-            </a:lvl4pPr>
-            <a:lvl5pPr marL="1828800" indent="0">
-              <a:buNone/>
-              <a:defRPr sz="3600" b="1">
-                <a:solidFill>
-                  <a:schemeClr val="bg2"/>
-                </a:solidFill>
-                <a:latin typeface="+mj-lt"/>
-              </a:defRPr>
-            </a:lvl5pPr>
-          </a:lstStyle>
-          <a:p>
-            <a:pPr lvl="0"/>
-            <a:r>
-              <a:rPr lang="en-US" dirty="0"/>
-              <a:t>Email:</a:t>
-            </a:r>
-            <a:endParaRPr lang="ru-RU" dirty="0"/>
-          </a:p>
-        </p:txBody>
-      </p:sp>
-      <p:sp>
-        <p:nvSpPr>
-          <p:cNvPr id="26" name="Text Placeholder 3">
-            <a:extLst>
-              <a:ext uri="{FF2B5EF4-FFF2-40B4-BE49-F238E27FC236}">
-                <a16:creationId xmlns:a16="http://schemas.microsoft.com/office/drawing/2014/main" id="{94772DA1-74CC-430C-9A8E-5A6586692CAB}"/>
-              </a:ext>
-            </a:extLst>
-          </p:cNvPr>
-          <p:cNvSpPr>
-            <a:spLocks noGrp="1"/>
-          </p:cNvSpPr>
-          <p:nvPr>
-            <p:ph type="body" sz="quarter" idx="19" hasCustomPrompt="1"/>
-          </p:nvPr>
-        </p:nvSpPr>
-        <p:spPr>
-          <a:xfrm>
-            <a:off x="831850" y="4650785"/>
-            <a:ext cx="4586288" cy="364479"/>
-          </a:xfrm>
-        </p:spPr>
-        <p:txBody>
-          <a:bodyPr lIns="0" tIns="0" rIns="0" bIns="0">
-            <a:noAutofit/>
-          </a:bodyPr>
-          <a:lstStyle>
-            <a:lvl1pPr marL="0" indent="0">
-              <a:buNone/>
-              <a:defRPr sz="2000" b="1">
-                <a:solidFill>
-                  <a:schemeClr val="bg2"/>
-                </a:solidFill>
-                <a:latin typeface="+mj-lt"/>
-              </a:defRPr>
-            </a:lvl1pPr>
-            <a:lvl2pPr marL="457200" indent="0">
-              <a:buNone/>
-              <a:defRPr sz="3600" b="1">
-                <a:solidFill>
-                  <a:schemeClr val="bg2"/>
-                </a:solidFill>
-                <a:latin typeface="+mj-lt"/>
-              </a:defRPr>
-            </a:lvl2pPr>
-            <a:lvl3pPr marL="914400" indent="0">
-              <a:buNone/>
-              <a:defRPr sz="3600" b="1">
-                <a:solidFill>
-                  <a:schemeClr val="bg2"/>
-                </a:solidFill>
-                <a:latin typeface="+mj-lt"/>
-              </a:defRPr>
-            </a:lvl3pPr>
-            <a:lvl4pPr marL="1371600" indent="0">
-              <a:buNone/>
-              <a:defRPr sz="3600" b="1">
-                <a:solidFill>
-                  <a:schemeClr val="bg2"/>
-                </a:solidFill>
-                <a:latin typeface="+mj-lt"/>
-              </a:defRPr>
-            </a:lvl4pPr>
-            <a:lvl5pPr marL="1828800" indent="0">
-              <a:buNone/>
-              <a:defRPr sz="3600" b="1">
-                <a:solidFill>
-                  <a:schemeClr val="bg2"/>
-                </a:solidFill>
-                <a:latin typeface="+mj-lt"/>
-              </a:defRPr>
-            </a:lvl5pPr>
-          </a:lstStyle>
-          <a:p>
-            <a:pPr lvl="0"/>
-            <a:r>
-              <a:rPr lang="en-US" dirty="0"/>
-              <a:t>Bergqvist@vanarsdelltd.com</a:t>
-            </a:r>
-            <a:endParaRPr lang="ru-RU" dirty="0"/>
-          </a:p>
-        </p:txBody>
-      </p:sp>
-      <p:sp>
-        <p:nvSpPr>
-          <p:cNvPr id="27" name="Text Placeholder 3">
-            <a:extLst>
-              <a:ext uri="{FF2B5EF4-FFF2-40B4-BE49-F238E27FC236}">
-                <a16:creationId xmlns:a16="http://schemas.microsoft.com/office/drawing/2014/main" id="{7A073B5B-2BE3-49D1-A646-1492F534C94B}"/>
-              </a:ext>
-            </a:extLst>
-          </p:cNvPr>
-          <p:cNvSpPr>
-            <a:spLocks noGrp="1"/>
-          </p:cNvSpPr>
-          <p:nvPr>
-            <p:ph type="body" sz="quarter" idx="20" hasCustomPrompt="1"/>
-          </p:nvPr>
-        </p:nvSpPr>
-        <p:spPr>
-          <a:xfrm>
-            <a:off x="831850" y="5153025"/>
-            <a:ext cx="4586288" cy="230941"/>
-          </a:xfrm>
-        </p:spPr>
-        <p:txBody>
-          <a:bodyPr lIns="0" tIns="0" rIns="0" bIns="0">
-            <a:noAutofit/>
-          </a:bodyPr>
-          <a:lstStyle>
-            <a:lvl1pPr marL="0" indent="0">
-              <a:buNone/>
-              <a:defRPr lang="ru-RU" sz="1700" b="0" i="1" kern="1200" dirty="0">
-                <a:solidFill>
-                  <a:schemeClr val="tx1"/>
-                </a:solidFill>
-                <a:latin typeface="+mn-lt"/>
-                <a:ea typeface="+mn-ea"/>
-                <a:cs typeface="Segoe UI" panose="020B0502040204020203" pitchFamily="34" charset="0"/>
-              </a:defRPr>
-            </a:lvl1pPr>
-            <a:lvl2pPr marL="457200" indent="0">
-              <a:buNone/>
-              <a:defRPr sz="3600" b="1">
-                <a:solidFill>
-                  <a:schemeClr val="bg2"/>
-                </a:solidFill>
-                <a:latin typeface="+mj-lt"/>
-              </a:defRPr>
-            </a:lvl2pPr>
-            <a:lvl3pPr marL="914400" indent="0">
-              <a:buNone/>
-              <a:defRPr sz="3600" b="1">
-                <a:solidFill>
-                  <a:schemeClr val="bg2"/>
-                </a:solidFill>
-                <a:latin typeface="+mj-lt"/>
-              </a:defRPr>
-            </a:lvl3pPr>
-            <a:lvl4pPr marL="1371600" indent="0">
-              <a:buNone/>
-              <a:defRPr sz="3600" b="1">
-                <a:solidFill>
-                  <a:schemeClr val="bg2"/>
-                </a:solidFill>
-                <a:latin typeface="+mj-lt"/>
-              </a:defRPr>
-            </a:lvl4pPr>
-            <a:lvl5pPr marL="1828800" indent="0">
-              <a:buNone/>
-              <a:defRPr sz="3600" b="1">
-                <a:solidFill>
-                  <a:schemeClr val="bg2"/>
-                </a:solidFill>
-                <a:latin typeface="+mj-lt"/>
-              </a:defRPr>
-            </a:lvl5pPr>
-          </a:lstStyle>
-          <a:p>
-            <a:pPr marL="0" lvl="0" indent="0" algn="l" defTabSz="914400" rtl="0" eaLnBrk="1" latinLnBrk="0" hangingPunct="1">
-              <a:lnSpc>
-                <a:spcPct val="90000"/>
-              </a:lnSpc>
-              <a:spcBef>
-                <a:spcPts val="1000"/>
-              </a:spcBef>
-              <a:buFont typeface="Arial" panose="020B0604020202020204" pitchFamily="34" charset="0"/>
-              <a:buNone/>
-            </a:pPr>
-            <a:r>
-              <a:rPr lang="en-US" dirty="0"/>
-              <a:t>Website:</a:t>
-            </a:r>
-            <a:endParaRPr lang="ru-RU" dirty="0"/>
-          </a:p>
-        </p:txBody>
-      </p:sp>
-      <p:sp>
-        <p:nvSpPr>
-          <p:cNvPr id="28" name="Text Placeholder 3">
-            <a:extLst>
-              <a:ext uri="{FF2B5EF4-FFF2-40B4-BE49-F238E27FC236}">
-                <a16:creationId xmlns:a16="http://schemas.microsoft.com/office/drawing/2014/main" id="{52D10EDD-0329-4443-8665-7603E4A83B16}"/>
-              </a:ext>
-            </a:extLst>
-          </p:cNvPr>
-          <p:cNvSpPr>
-            <a:spLocks noGrp="1"/>
-          </p:cNvSpPr>
-          <p:nvPr>
-            <p:ph type="body" sz="quarter" idx="21" hasCustomPrompt="1"/>
-          </p:nvPr>
-        </p:nvSpPr>
-        <p:spPr>
-          <a:xfrm>
-            <a:off x="824950" y="5363814"/>
-            <a:ext cx="4586288" cy="364479"/>
-          </a:xfrm>
-        </p:spPr>
-        <p:txBody>
-          <a:bodyPr lIns="0" tIns="0" rIns="0" bIns="0">
-            <a:noAutofit/>
-          </a:bodyPr>
-          <a:lstStyle>
-            <a:lvl1pPr marL="0" indent="0">
-              <a:buNone/>
-              <a:defRPr sz="2000" b="1">
-                <a:solidFill>
-                  <a:schemeClr val="bg2"/>
-                </a:solidFill>
-                <a:latin typeface="+mj-lt"/>
-              </a:defRPr>
-            </a:lvl1pPr>
-            <a:lvl2pPr marL="457200" indent="0">
-              <a:buNone/>
-              <a:defRPr sz="3600" b="1">
-                <a:solidFill>
-                  <a:schemeClr val="bg2"/>
-                </a:solidFill>
-                <a:latin typeface="+mj-lt"/>
-              </a:defRPr>
-            </a:lvl2pPr>
-            <a:lvl3pPr marL="914400" indent="0">
-              <a:buNone/>
-              <a:defRPr sz="3600" b="1">
-                <a:solidFill>
-                  <a:schemeClr val="bg2"/>
-                </a:solidFill>
-                <a:latin typeface="+mj-lt"/>
-              </a:defRPr>
-            </a:lvl3pPr>
-            <a:lvl4pPr marL="1371600" indent="0">
-              <a:buNone/>
-              <a:defRPr sz="3600" b="1">
-                <a:solidFill>
-                  <a:schemeClr val="bg2"/>
-                </a:solidFill>
-                <a:latin typeface="+mj-lt"/>
-              </a:defRPr>
-            </a:lvl4pPr>
-            <a:lvl5pPr marL="1828800" indent="0">
-              <a:buNone/>
-              <a:defRPr sz="3600" b="1">
-                <a:solidFill>
-                  <a:schemeClr val="bg2"/>
-                </a:solidFill>
-                <a:latin typeface="+mj-lt"/>
-              </a:defRPr>
-            </a:lvl5pPr>
-          </a:lstStyle>
-          <a:p>
-            <a:pPr lvl="0"/>
-            <a:r>
-              <a:rPr lang="en-US" dirty="0"/>
-              <a:t>www.vanarsdelltd.com</a:t>
-            </a:r>
-            <a:endParaRPr lang="ru-RU" dirty="0"/>
-          </a:p>
-        </p:txBody>
-      </p:sp>
       <p:grpSp>
         <p:nvGrpSpPr>
           <p:cNvPr id="4" name="Group 3">
@@ -25147,7 +24348,7 @@
         </p:nvGrpSpPr>
         <p:grpSpPr>
           <a:xfrm>
-            <a:off x="801543" y="2750589"/>
+            <a:off x="620331" y="3950739"/>
             <a:ext cx="4569895" cy="100800"/>
             <a:chOff x="808548" y="2750589"/>
             <a:chExt cx="4569895" cy="100800"/>
@@ -25353,7 +24554,7 @@
         </p:nvGrpSpPr>
         <p:grpSpPr>
           <a:xfrm>
-            <a:off x="801543" y="1660573"/>
+            <a:off x="620331" y="2860723"/>
             <a:ext cx="4575417" cy="105664"/>
             <a:chOff x="808548" y="2745725"/>
             <a:chExt cx="4575417" cy="105664"/>
@@ -30729,7 +29930,7 @@
             <a:blip r:embed="rId2">
               <a:extLst>
                 <a:ext uri="{96DAC541-7B7A-43D3-8B79-37D633B846F1}">
-                  <asvg:svgBlip xmlns="" xmlns:asvg="http://schemas.microsoft.com/office/drawing/2016/SVG/main" r:embed="rId3"/>
+                  <asvg:svgBlip xmlns:asvg="http://schemas.microsoft.com/office/drawing/2016/SVG/main" xmlns="" r:embed="rId3"/>
                 </a:ext>
               </a:extLst>
             </a:blip>
@@ -41172,7 +40373,7 @@
             <a:blip r:embed="rId2">
               <a:extLst>
                 <a:ext uri="{96DAC541-7B7A-43D3-8B79-37D633B846F1}">
-                  <asvg:svgBlip xmlns="" xmlns:asvg="http://schemas.microsoft.com/office/drawing/2016/SVG/main" r:embed="rId3"/>
+                  <asvg:svgBlip xmlns:asvg="http://schemas.microsoft.com/office/drawing/2016/SVG/main" xmlns="" r:embed="rId3"/>
                 </a:ext>
               </a:extLst>
             </a:blip>
@@ -45393,10 +44594,10 @@
       </p:grpSpPr>
       <p:sp>
         <p:nvSpPr>
-          <p:cNvPr id="67" name="Title 66">
-            <a:extLst>
-              <a:ext uri="{FF2B5EF4-FFF2-40B4-BE49-F238E27FC236}">
-                <a16:creationId xmlns:a16="http://schemas.microsoft.com/office/drawing/2014/main" id="{E72CC338-4598-4AF3-B140-D7F632D20BA5}"/>
+          <p:cNvPr id="2" name="Title 1">
+            <a:extLst>
+              <a:ext uri="{FF2B5EF4-FFF2-40B4-BE49-F238E27FC236}">
+                <a16:creationId xmlns:a16="http://schemas.microsoft.com/office/drawing/2014/main" id="{B0406C22-D0C4-4D8E-86F7-1A902F1CA7AB}"/>
               </a:ext>
             </a:extLst>
           </p:cNvPr>
@@ -45407,12 +44608,7 @@
             <p:ph type="title"/>
           </p:nvPr>
         </p:nvSpPr>
-        <p:spPr>
-          <a:xfrm>
-            <a:off x="6400317" y="707529"/>
-            <a:ext cx="4953483" cy="569086"/>
-          </a:xfrm>
-        </p:spPr>
+        <p:spPr/>
         <p:txBody>
           <a:bodyPr>
             <a:normAutofit/>
@@ -45420,23 +44616,54 @@
           <a:lstStyle/>
           <a:p>
             <a:r>
-              <a:rPr lang="en-US" altLang="zh-CN" dirty="0" smtClean="0"/>
-              <a:t>Trends of AI</a:t>
-            </a:r>
-            <a:r>
               <a:rPr lang="en-US" altLang="zh-CN" dirty="0"/>
-              <a:t> (DNN)</a:t>
+              <a:t>The</a:t>
+            </a:r>
+            <a:r>
+              <a:rPr lang="en-US" dirty="0" smtClean="0"/>
+              <a:t> Future</a:t>
             </a:r>
             <a:endParaRPr lang="ru-RU" dirty="0"/>
           </a:p>
         </p:txBody>
       </p:sp>
-      <p:sp>
-        <p:nvSpPr>
-          <p:cNvPr id="4" name="Slide Number Placeholder 3">
-            <a:extLst>
-              <a:ext uri="{FF2B5EF4-FFF2-40B4-BE49-F238E27FC236}">
-                <a16:creationId xmlns:a16="http://schemas.microsoft.com/office/drawing/2014/main" id="{D3581DBA-A3EE-4E75-90A6-DC25DF9DABFC}"/>
+      <p:pic>
+        <p:nvPicPr>
+          <p:cNvPr id="18" name="Picture Placeholder 17" descr="Abstract background">
+            <a:extLst>
+              <a:ext uri="{FF2B5EF4-FFF2-40B4-BE49-F238E27FC236}">
+                <a16:creationId xmlns:a16="http://schemas.microsoft.com/office/drawing/2014/main" id="{FA9DAA9F-5926-4BC1-8F7B-06E0B1C2F013}"/>
+              </a:ext>
+            </a:extLst>
+          </p:cNvPr>
+          <p:cNvPicPr>
+            <a:picLocks noGrp="1" noChangeAspect="1"/>
+          </p:cNvPicPr>
+          <p:nvPr>
+            <p:ph type="pic" sz="quarter" idx="15"/>
+          </p:nvPr>
+        </p:nvPicPr>
+        <p:blipFill>
+          <a:blip r:embed="rId3">
+            <a:extLst>
+              <a:ext uri="{28A0092B-C50C-407E-A947-70E740481C1C}">
+                <a14:useLocalDpi xmlns:a14="http://schemas.microsoft.com/office/drawing/2010/main" val="0"/>
+              </a:ext>
+            </a:extLst>
+          </a:blip>
+          <a:srcRect/>
+          <a:stretch>
+            <a:fillRect/>
+          </a:stretch>
+        </p:blipFill>
+        <p:spPr/>
+      </p:pic>
+      <p:sp>
+        <p:nvSpPr>
+          <p:cNvPr id="5" name="Slide Number Placeholder 4">
+            <a:extLst>
+              <a:ext uri="{FF2B5EF4-FFF2-40B4-BE49-F238E27FC236}">
+                <a16:creationId xmlns:a16="http://schemas.microsoft.com/office/drawing/2014/main" id="{1C5328BF-D489-4F39-BA27-5AD38E9116D8}"/>
               </a:ext>
             </a:extLst>
           </p:cNvPr>
@@ -45463,10 +44690,10 @@
       </p:sp>
       <p:sp>
         <p:nvSpPr>
-          <p:cNvPr id="3" name="Footer Placeholder 2">
-            <a:extLst>
-              <a:ext uri="{FF2B5EF4-FFF2-40B4-BE49-F238E27FC236}">
-                <a16:creationId xmlns:a16="http://schemas.microsoft.com/office/drawing/2014/main" id="{6A109C3A-84E8-4719-8AE7-A66B8CA97997}"/>
+          <p:cNvPr id="4" name="Footer Placeholder 3">
+            <a:extLst>
+              <a:ext uri="{FF2B5EF4-FFF2-40B4-BE49-F238E27FC236}">
+                <a16:creationId xmlns:a16="http://schemas.microsoft.com/office/drawing/2014/main" id="{577B5262-30A5-4063-A21E-56FCACC40308}"/>
               </a:ext>
             </a:extLst>
           </p:cNvPr>
@@ -45492,10 +44719,10 @@
       </p:sp>
       <p:sp>
         <p:nvSpPr>
-          <p:cNvPr id="2" name="Date Placeholder 1">
-            <a:extLst>
-              <a:ext uri="{FF2B5EF4-FFF2-40B4-BE49-F238E27FC236}">
-                <a16:creationId xmlns:a16="http://schemas.microsoft.com/office/drawing/2014/main" id="{8B2EEAA2-E066-4E86-A51B-FAC3333192BD}"/>
+          <p:cNvPr id="3" name="Date Placeholder 2">
+            <a:extLst>
+              <a:ext uri="{FF2B5EF4-FFF2-40B4-BE49-F238E27FC236}">
+                <a16:creationId xmlns:a16="http://schemas.microsoft.com/office/drawing/2014/main" id="{41F813B4-2C3F-45B0-A38D-A3FE79E6D71B}"/>
               </a:ext>
             </a:extLst>
           </p:cNvPr>
@@ -45519,51 +44746,29 @@
           </a:p>
         </p:txBody>
       </p:sp>
-      <p:pic>
-        <p:nvPicPr>
-          <p:cNvPr id="11" name="Picture 2" descr="Image result for ILSVRC"/>
-          <p:cNvPicPr>
-            <a:picLocks noChangeAspect="1" noChangeArrowheads="1"/>
-          </p:cNvPicPr>
-          <p:nvPr/>
-        </p:nvPicPr>
-        <p:blipFill>
-          <a:blip r:embed="rId3">
-            <a:extLst>
-              <a:ext uri="{28A0092B-C50C-407E-A947-70E740481C1C}">
-                <a14:useLocalDpi xmlns:a14="http://schemas.microsoft.com/office/drawing/2010/main" val="0"/>
-              </a:ext>
-            </a:extLst>
-          </a:blip>
-          <a:srcRect/>
-          <a:stretch>
-            <a:fillRect/>
-          </a:stretch>
-        </p:blipFill>
-        <p:spPr bwMode="auto">
-          <a:xfrm>
-            <a:off x="2637781" y="1688226"/>
-            <a:ext cx="6940506" cy="4190494"/>
-          </a:xfrm>
-          <a:prstGeom prst="rect">
-            <a:avLst/>
-          </a:prstGeom>
-          <a:noFill/>
-          <a:extLst>
-            <a:ext uri="{909E8E84-426E-40DD-AFC4-6F175D3DCCD1}">
-              <a14:hiddenFill xmlns:a14="http://schemas.microsoft.com/office/drawing/2010/main">
-                <a:solidFill>
-                  <a:srgbClr val="FFFFFF"/>
-                </a:solidFill>
-              </a14:hiddenFill>
-            </a:ext>
-          </a:extLst>
-        </p:spPr>
-      </p:pic>
+      <p:sp>
+        <p:nvSpPr>
+          <p:cNvPr id="6" name="Text Placeholder 5"/>
+          <p:cNvSpPr>
+            <a:spLocks noGrp="1"/>
+          </p:cNvSpPr>
+          <p:nvPr>
+            <p:ph type="body" idx="14"/>
+          </p:nvPr>
+        </p:nvSpPr>
+        <p:spPr/>
+        <p:txBody>
+          <a:bodyPr/>
+          <a:lstStyle/>
+          <a:p>
+            <a:endParaRPr lang="zh-CN" altLang="en-US"/>
+          </a:p>
+        </p:txBody>
+      </p:sp>
     </p:spTree>
     <p:extLst>
       <p:ext uri="{BB962C8B-B14F-4D97-AF65-F5344CB8AC3E}">
-        <p14:creationId xmlns:p14="http://schemas.microsoft.com/office/powerpoint/2010/main" val="687361881"/>
+        <p14:creationId xmlns:p14="http://schemas.microsoft.com/office/powerpoint/2010/main" val="2510542281"/>
       </p:ext>
     </p:extLst>
   </p:cSld>
@@ -45599,10 +44804,10 @@
       </p:grpSpPr>
       <p:sp>
         <p:nvSpPr>
-          <p:cNvPr id="2" name="Title 1">
-            <a:extLst>
-              <a:ext uri="{FF2B5EF4-FFF2-40B4-BE49-F238E27FC236}">
-                <a16:creationId xmlns:a16="http://schemas.microsoft.com/office/drawing/2014/main" id="{B0406C22-D0C4-4D8E-86F7-1A902F1CA7AB}"/>
+          <p:cNvPr id="6" name="Title 5">
+            <a:extLst>
+              <a:ext uri="{FF2B5EF4-FFF2-40B4-BE49-F238E27FC236}">
+                <a16:creationId xmlns:a16="http://schemas.microsoft.com/office/drawing/2014/main" id="{D2F9A33A-E955-4DFB-9469-3FDBA6703985}"/>
               </a:ext>
             </a:extLst>
           </p:cNvPr>
@@ -45615,445 +44820,14 @@
         </p:nvSpPr>
         <p:spPr/>
         <p:txBody>
-          <a:bodyPr>
-            <a:normAutofit/>
-          </a:bodyPr>
-          <a:lstStyle/>
-          <a:p>
-            <a:r>
-              <a:rPr lang="en-US" altLang="zh-CN" dirty="0"/>
-              <a:t>The</a:t>
-            </a:r>
-            <a:r>
-              <a:rPr lang="en-US" dirty="0" smtClean="0"/>
-              <a:t> </a:t>
-            </a:r>
-            <a:r>
-              <a:rPr lang="en-US" dirty="0" smtClean="0"/>
-              <a:t>Future</a:t>
-            </a:r>
-            <a:endParaRPr lang="ru-RU" dirty="0"/>
-          </a:p>
-        </p:txBody>
-      </p:sp>
-      <p:pic>
-        <p:nvPicPr>
-          <p:cNvPr id="18" name="Picture Placeholder 17" descr="Abstract background">
-            <a:extLst>
-              <a:ext uri="{FF2B5EF4-FFF2-40B4-BE49-F238E27FC236}">
-                <a16:creationId xmlns:a16="http://schemas.microsoft.com/office/drawing/2014/main" id="{FA9DAA9F-5926-4BC1-8F7B-06E0B1C2F013}"/>
-              </a:ext>
-            </a:extLst>
-          </p:cNvPr>
-          <p:cNvPicPr>
-            <a:picLocks noGrp="1" noChangeAspect="1"/>
-          </p:cNvPicPr>
-          <p:nvPr>
-            <p:ph type="pic" sz="quarter" idx="15"/>
-          </p:nvPr>
-        </p:nvPicPr>
-        <p:blipFill>
-          <a:blip r:embed="rId3">
-            <a:extLst>
-              <a:ext uri="{28A0092B-C50C-407E-A947-70E740481C1C}">
-                <a14:useLocalDpi xmlns:a14="http://schemas.microsoft.com/office/drawing/2010/main" val="0"/>
-              </a:ext>
-            </a:extLst>
-          </a:blip>
-          <a:srcRect/>
-          <a:stretch>
-            <a:fillRect/>
-          </a:stretch>
-        </p:blipFill>
-        <p:spPr/>
-      </p:pic>
-      <p:sp>
-        <p:nvSpPr>
-          <p:cNvPr id="5" name="Slide Number Placeholder 4">
-            <a:extLst>
-              <a:ext uri="{FF2B5EF4-FFF2-40B4-BE49-F238E27FC236}">
-                <a16:creationId xmlns:a16="http://schemas.microsoft.com/office/drawing/2014/main" id="{1C5328BF-D489-4F39-BA27-5AD38E9116D8}"/>
-              </a:ext>
-            </a:extLst>
-          </p:cNvPr>
-          <p:cNvSpPr>
-            <a:spLocks noGrp="1"/>
-          </p:cNvSpPr>
-          <p:nvPr>
-            <p:ph type="sldNum" sz="quarter" idx="12"/>
-          </p:nvPr>
-        </p:nvSpPr>
-        <p:spPr/>
-        <p:txBody>
           <a:bodyPr/>
           <a:lstStyle/>
           <a:p>
-            <a:fld id="{8D581BC7-E183-40DB-AC97-C19EA4EB8894}" type="slidenum">
-              <a:rPr lang="ru-RU" smtClean="0"/>
-              <a:pPr/>
-              <a:t>11</a:t>
-            </a:fld>
-            <a:endParaRPr lang="ru-RU" dirty="0"/>
-          </a:p>
-        </p:txBody>
-      </p:sp>
-      <p:sp>
-        <p:nvSpPr>
-          <p:cNvPr id="4" name="Footer Placeholder 3">
-            <a:extLst>
-              <a:ext uri="{FF2B5EF4-FFF2-40B4-BE49-F238E27FC236}">
-                <a16:creationId xmlns:a16="http://schemas.microsoft.com/office/drawing/2014/main" id="{577B5262-30A5-4063-A21E-56FCACC40308}"/>
-              </a:ext>
-            </a:extLst>
-          </p:cNvPr>
-          <p:cNvSpPr>
-            <a:spLocks noGrp="1"/>
-          </p:cNvSpPr>
-          <p:nvPr>
-            <p:ph type="ftr" sz="quarter" idx="11"/>
-          </p:nvPr>
-        </p:nvSpPr>
-        <p:spPr/>
-        <p:txBody>
-          <a:bodyPr/>
-          <a:lstStyle/>
-          <a:p>
-            <a:r>
-              <a:rPr lang="en-US" dirty="0"/>
-              <a:t>ADD A FOOTER</a:t>
-            </a:r>
-            <a:endParaRPr lang="ru-RU" dirty="0"/>
-          </a:p>
-        </p:txBody>
-      </p:sp>
-      <p:sp>
-        <p:nvSpPr>
-          <p:cNvPr id="3" name="Date Placeholder 2">
-            <a:extLst>
-              <a:ext uri="{FF2B5EF4-FFF2-40B4-BE49-F238E27FC236}">
-                <a16:creationId xmlns:a16="http://schemas.microsoft.com/office/drawing/2014/main" id="{41F813B4-2C3F-45B0-A38D-A3FE79E6D71B}"/>
-              </a:ext>
-            </a:extLst>
-          </p:cNvPr>
-          <p:cNvSpPr>
-            <a:spLocks noGrp="1"/>
-          </p:cNvSpPr>
-          <p:nvPr>
-            <p:ph type="dt" sz="half" idx="10"/>
-          </p:nvPr>
-        </p:nvSpPr>
-        <p:spPr/>
-        <p:txBody>
-          <a:bodyPr/>
-          <a:lstStyle/>
-          <a:p>
-            <a:r>
-              <a:rPr lang="en-US" dirty="0"/>
-              <a:t>MM.DD.20XX</a:t>
-            </a:r>
-            <a:endParaRPr lang="ru-RU" dirty="0"/>
-          </a:p>
-        </p:txBody>
-      </p:sp>
-    </p:spTree>
-    <p:extLst>
-      <p:ext uri="{BB962C8B-B14F-4D97-AF65-F5344CB8AC3E}">
-        <p14:creationId xmlns:p14="http://schemas.microsoft.com/office/powerpoint/2010/main" val="2510542281"/>
-      </p:ext>
-    </p:extLst>
-  </p:cSld>
-  <p:clrMapOvr>
-    <a:masterClrMapping/>
-  </p:clrMapOvr>
-  <p:timing>
-    <p:tnLst>
-      <p:par>
-        <p:cTn id="1" dur="indefinite" restart="never" nodeType="tmRoot"/>
-      </p:par>
-    </p:tnLst>
-  </p:timing>
-</p:sld>
-</file>
-
-<file path=ppt/slides/slide12.xml><?xml version="1.0" encoding="utf-8"?>
-<p:sld xmlns:a="http://schemas.openxmlformats.org/drawingml/2006/main" xmlns:r="http://schemas.openxmlformats.org/officeDocument/2006/relationships" xmlns:p="http://schemas.openxmlformats.org/presentationml/2006/main">
-  <p:cSld>
-    <p:spTree>
-      <p:nvGrpSpPr>
-        <p:cNvPr id="1" name=""/>
-        <p:cNvGrpSpPr/>
-        <p:nvPr/>
-      </p:nvGrpSpPr>
-      <p:grpSpPr>
-        <a:xfrm>
-          <a:off x="0" y="0"/>
-          <a:ext cx="0" cy="0"/>
-          <a:chOff x="0" y="0"/>
-          <a:chExt cx="0" cy="0"/>
-        </a:xfrm>
-      </p:grpSpPr>
-      <p:pic>
-        <p:nvPicPr>
-          <p:cNvPr id="3" name="Picture Placeholder 2" descr="Company logo">
-            <a:extLst>
-              <a:ext uri="{FF2B5EF4-FFF2-40B4-BE49-F238E27FC236}">
-                <a16:creationId xmlns:a16="http://schemas.microsoft.com/office/drawing/2014/main" id="{8220D5DE-4628-433F-8A23-3DEA4571046F}"/>
-              </a:ext>
-            </a:extLst>
-          </p:cNvPr>
-          <p:cNvPicPr>
-            <a:picLocks noGrp="1" noChangeAspect="1"/>
-          </p:cNvPicPr>
-          <p:nvPr>
-            <p:ph type="pic" sz="quarter" idx="13"/>
-          </p:nvPr>
-        </p:nvPicPr>
-        <p:blipFill>
-          <a:blip r:embed="rId3">
-            <a:extLst>
-              <a:ext uri="{28A0092B-C50C-407E-A947-70E740481C1C}">
-                <a14:useLocalDpi xmlns:a14="http://schemas.microsoft.com/office/drawing/2010/main" val="0"/>
-              </a:ext>
-              <a:ext uri="{96DAC541-7B7A-43D3-8B79-37D633B846F1}">
-                <asvg:svgBlip xmlns="" xmlns:asvg="http://schemas.microsoft.com/office/drawing/2016/SVG/main" r:embed="rId4"/>
-              </a:ext>
-            </a:extLst>
-          </a:blip>
-          <a:srcRect/>
-          <a:stretch>
-            <a:fillRect/>
-          </a:stretch>
-        </p:blipFill>
-        <p:spPr/>
-      </p:pic>
-      <p:sp>
-        <p:nvSpPr>
-          <p:cNvPr id="6" name="Title 5">
-            <a:extLst>
-              <a:ext uri="{FF2B5EF4-FFF2-40B4-BE49-F238E27FC236}">
-                <a16:creationId xmlns:a16="http://schemas.microsoft.com/office/drawing/2014/main" id="{D2F9A33A-E955-4DFB-9469-3FDBA6703985}"/>
-              </a:ext>
-            </a:extLst>
-          </p:cNvPr>
-          <p:cNvSpPr>
-            <a:spLocks noGrp="1"/>
-          </p:cNvSpPr>
-          <p:nvPr>
-            <p:ph type="title"/>
-          </p:nvPr>
-        </p:nvSpPr>
-        <p:spPr/>
-        <p:txBody>
-          <a:bodyPr/>
-          <a:lstStyle/>
-          <a:p>
             <a:r>
               <a:rPr lang="en-US" dirty="0"/>
               <a:t>THANK YOU!</a:t>
             </a:r>
             <a:endParaRPr lang="ru-RU" dirty="0"/>
-          </a:p>
-        </p:txBody>
-      </p:sp>
-      <p:sp>
-        <p:nvSpPr>
-          <p:cNvPr id="7" name="Text Placeholder 6">
-            <a:extLst>
-              <a:ext uri="{FF2B5EF4-FFF2-40B4-BE49-F238E27FC236}">
-                <a16:creationId xmlns:a16="http://schemas.microsoft.com/office/drawing/2014/main" id="{58804881-51D2-4A81-BABB-704FBED23EB9}"/>
-              </a:ext>
-            </a:extLst>
-          </p:cNvPr>
-          <p:cNvSpPr>
-            <a:spLocks noGrp="1"/>
-          </p:cNvSpPr>
-          <p:nvPr>
-            <p:ph type="body" sz="quarter" idx="15"/>
-          </p:nvPr>
-        </p:nvSpPr>
-        <p:spPr/>
-        <p:txBody>
-          <a:bodyPr/>
-          <a:lstStyle/>
-          <a:p>
-            <a:r>
-              <a:rPr lang="en-US" dirty="0"/>
-              <a:t>August Bergqvist</a:t>
-            </a:r>
-            <a:endParaRPr lang="ru-RU" dirty="0"/>
-          </a:p>
-        </p:txBody>
-      </p:sp>
-      <p:sp>
-        <p:nvSpPr>
-          <p:cNvPr id="8" name="Text Placeholder 7">
-            <a:extLst>
-              <a:ext uri="{FF2B5EF4-FFF2-40B4-BE49-F238E27FC236}">
-                <a16:creationId xmlns:a16="http://schemas.microsoft.com/office/drawing/2014/main" id="{8D2C39EE-B4D3-4E49-BF2C-871A33509C56}"/>
-              </a:ext>
-            </a:extLst>
-          </p:cNvPr>
-          <p:cNvSpPr>
-            <a:spLocks noGrp="1"/>
-          </p:cNvSpPr>
-          <p:nvPr>
-            <p:ph type="body" sz="quarter" idx="16"/>
-          </p:nvPr>
-        </p:nvSpPr>
-        <p:spPr/>
-        <p:txBody>
-          <a:bodyPr/>
-          <a:lstStyle/>
-          <a:p>
-            <a:r>
-              <a:rPr lang="en-US" dirty="0"/>
-              <a:t>Phone:</a:t>
-            </a:r>
-            <a:endParaRPr lang="ru-RU" dirty="0"/>
-          </a:p>
-        </p:txBody>
-      </p:sp>
-      <p:sp>
-        <p:nvSpPr>
-          <p:cNvPr id="9" name="Text Placeholder 8">
-            <a:extLst>
-              <a:ext uri="{FF2B5EF4-FFF2-40B4-BE49-F238E27FC236}">
-                <a16:creationId xmlns:a16="http://schemas.microsoft.com/office/drawing/2014/main" id="{93DB312C-BF94-484C-BB02-2534E26CECF6}"/>
-              </a:ext>
-            </a:extLst>
-          </p:cNvPr>
-          <p:cNvSpPr>
-            <a:spLocks noGrp="1"/>
-          </p:cNvSpPr>
-          <p:nvPr>
-            <p:ph type="body" sz="quarter" idx="17"/>
-          </p:nvPr>
-        </p:nvSpPr>
-        <p:spPr/>
-        <p:txBody>
-          <a:bodyPr/>
-          <a:lstStyle/>
-          <a:p>
-            <a:r>
-              <a:rPr lang="en-US" dirty="0"/>
-              <a:t>678-555-0134</a:t>
-            </a:r>
-            <a:endParaRPr lang="ru-RU" dirty="0"/>
-          </a:p>
-        </p:txBody>
-      </p:sp>
-      <p:sp>
-        <p:nvSpPr>
-          <p:cNvPr id="10" name="Text Placeholder 9">
-            <a:extLst>
-              <a:ext uri="{FF2B5EF4-FFF2-40B4-BE49-F238E27FC236}">
-                <a16:creationId xmlns:a16="http://schemas.microsoft.com/office/drawing/2014/main" id="{53C87786-C7F5-4B45-904D-00CC865572A5}"/>
-              </a:ext>
-            </a:extLst>
-          </p:cNvPr>
-          <p:cNvSpPr>
-            <a:spLocks noGrp="1"/>
-          </p:cNvSpPr>
-          <p:nvPr>
-            <p:ph type="body" sz="quarter" idx="18"/>
-          </p:nvPr>
-        </p:nvSpPr>
-        <p:spPr/>
-        <p:txBody>
-          <a:bodyPr/>
-          <a:lstStyle/>
-          <a:p>
-            <a:r>
-              <a:rPr lang="en-US" dirty="0"/>
-              <a:t>Email:</a:t>
-            </a:r>
-            <a:endParaRPr lang="ru-RU" dirty="0"/>
-          </a:p>
-        </p:txBody>
-      </p:sp>
-      <p:sp>
-        <p:nvSpPr>
-          <p:cNvPr id="11" name="Text Placeholder 10">
-            <a:extLst>
-              <a:ext uri="{FF2B5EF4-FFF2-40B4-BE49-F238E27FC236}">
-                <a16:creationId xmlns:a16="http://schemas.microsoft.com/office/drawing/2014/main" id="{D8E60535-F276-49C5-9346-D536D6899F5C}"/>
-              </a:ext>
-            </a:extLst>
-          </p:cNvPr>
-          <p:cNvSpPr>
-            <a:spLocks noGrp="1"/>
-          </p:cNvSpPr>
-          <p:nvPr>
-            <p:ph type="body" sz="quarter" idx="19"/>
-          </p:nvPr>
-        </p:nvSpPr>
-        <p:spPr/>
-        <p:txBody>
-          <a:bodyPr/>
-          <a:lstStyle/>
-          <a:p>
-            <a:r>
-              <a:rPr lang="en-US" dirty="0"/>
-              <a:t>bergqvist@treyresearch.com</a:t>
-            </a:r>
-            <a:endParaRPr lang="ru-RU" dirty="0"/>
-          </a:p>
-        </p:txBody>
-      </p:sp>
-      <p:sp>
-        <p:nvSpPr>
-          <p:cNvPr id="12" name="Text Placeholder 11">
-            <a:extLst>
-              <a:ext uri="{FF2B5EF4-FFF2-40B4-BE49-F238E27FC236}">
-                <a16:creationId xmlns:a16="http://schemas.microsoft.com/office/drawing/2014/main" id="{85395049-FB9C-455B-8DCA-4BD0D35F1DF5}"/>
-              </a:ext>
-            </a:extLst>
-          </p:cNvPr>
-          <p:cNvSpPr>
-            <a:spLocks noGrp="1"/>
-          </p:cNvSpPr>
-          <p:nvPr>
-            <p:ph type="body" sz="quarter" idx="20"/>
-          </p:nvPr>
-        </p:nvSpPr>
-        <p:spPr/>
-        <p:txBody>
-          <a:bodyPr/>
-          <a:lstStyle/>
-          <a:p>
-            <a:r>
-              <a:rPr lang="en-US" dirty="0"/>
-              <a:t>Website:</a:t>
-            </a:r>
-            <a:endParaRPr lang="ru-RU" dirty="0"/>
-          </a:p>
-        </p:txBody>
-      </p:sp>
-      <p:sp>
-        <p:nvSpPr>
-          <p:cNvPr id="13" name="Text Placeholder 12">
-            <a:extLst>
-              <a:ext uri="{FF2B5EF4-FFF2-40B4-BE49-F238E27FC236}">
-                <a16:creationId xmlns:a16="http://schemas.microsoft.com/office/drawing/2014/main" id="{D55212BC-6862-4B56-B856-7A97BBD3D4F1}"/>
-              </a:ext>
-            </a:extLst>
-          </p:cNvPr>
-          <p:cNvSpPr>
-            <a:spLocks noGrp="1"/>
-          </p:cNvSpPr>
-          <p:nvPr>
-            <p:ph type="body" sz="quarter" idx="21"/>
-          </p:nvPr>
-        </p:nvSpPr>
-        <p:spPr/>
-        <p:txBody>
-          <a:bodyPr/>
-          <a:lstStyle/>
-          <a:p>
-            <a:r>
-              <a:rPr lang="en-US" dirty="0"/>
-              <a:t>http://www.treyresearch.net/</a:t>
-            </a:r>
           </a:p>
         </p:txBody>
       </p:sp>
@@ -46074,7 +44848,7 @@
           </p:nvPr>
         </p:nvPicPr>
         <p:blipFill>
-          <a:blip r:embed="rId5">
+          <a:blip r:embed="rId3">
             <a:extLst>
               <a:ext uri="{28A0092B-C50C-407E-A947-70E740481C1C}">
                 <a14:useLocalDpi xmlns:a14="http://schemas.microsoft.com/office/drawing/2010/main" val="0"/>
@@ -46685,373 +45459,6 @@
       </p:sp>
       <p:sp>
         <p:nvSpPr>
-          <p:cNvPr id="8" name="Text Placeholder 7">
-            <a:extLst>
-              <a:ext uri="{FF2B5EF4-FFF2-40B4-BE49-F238E27FC236}">
-                <a16:creationId xmlns:a16="http://schemas.microsoft.com/office/drawing/2014/main" id="{0035A84C-449C-4CF8-B16B-6646515E7532}"/>
-              </a:ext>
-            </a:extLst>
-          </p:cNvPr>
-          <p:cNvSpPr>
-            <a:spLocks noGrp="1"/>
-          </p:cNvSpPr>
-          <p:nvPr>
-            <p:ph type="body" sz="quarter" idx="26"/>
-          </p:nvPr>
-        </p:nvSpPr>
-        <p:spPr/>
-        <p:txBody>
-          <a:bodyPr/>
-          <a:lstStyle/>
-          <a:p>
-            <a:r>
-              <a:rPr lang="en-US" dirty="0"/>
-              <a:t>1</a:t>
-            </a:r>
-            <a:endParaRPr lang="ru-RU" dirty="0"/>
-          </a:p>
-        </p:txBody>
-      </p:sp>
-      <p:sp>
-        <p:nvSpPr>
-          <p:cNvPr id="13" name="Text Placeholder 12">
-            <a:extLst>
-              <a:ext uri="{FF2B5EF4-FFF2-40B4-BE49-F238E27FC236}">
-                <a16:creationId xmlns:a16="http://schemas.microsoft.com/office/drawing/2014/main" id="{D62CB705-FC11-48C5-A459-495475D0B55E}"/>
-              </a:ext>
-            </a:extLst>
-          </p:cNvPr>
-          <p:cNvSpPr>
-            <a:spLocks noGrp="1"/>
-          </p:cNvSpPr>
-          <p:nvPr>
-            <p:ph type="body" idx="32"/>
-          </p:nvPr>
-        </p:nvSpPr>
-        <p:spPr/>
-        <p:txBody>
-          <a:bodyPr/>
-          <a:lstStyle/>
-          <a:p>
-            <a:r>
-              <a:rPr lang="en-US" altLang="zh-CN" dirty="0" smtClean="0"/>
-              <a:t>Current Problems</a:t>
-            </a:r>
-            <a:endParaRPr lang="ru-RU" dirty="0"/>
-          </a:p>
-        </p:txBody>
-      </p:sp>
-      <p:sp>
-        <p:nvSpPr>
-          <p:cNvPr id="11" name="Text Placeholder 10">
-            <a:extLst>
-              <a:ext uri="{FF2B5EF4-FFF2-40B4-BE49-F238E27FC236}">
-                <a16:creationId xmlns:a16="http://schemas.microsoft.com/office/drawing/2014/main" id="{775CF4E1-948D-4002-A94F-4BA8543DF1C4}"/>
-              </a:ext>
-            </a:extLst>
-          </p:cNvPr>
-          <p:cNvSpPr>
-            <a:spLocks noGrp="1"/>
-          </p:cNvSpPr>
-          <p:nvPr>
-            <p:ph type="body" idx="27"/>
-          </p:nvPr>
-        </p:nvSpPr>
-        <p:spPr>
-          <a:xfrm>
-            <a:off x="3151266" y="4243902"/>
-            <a:ext cx="2589369" cy="1580226"/>
-          </a:xfrm>
-        </p:spPr>
-        <p:txBody>
-          <a:bodyPr>
-            <a:normAutofit/>
-          </a:bodyPr>
-          <a:lstStyle/>
-          <a:p>
-            <a:r>
-              <a:rPr lang="en-US" altLang="zh-CN" dirty="0" smtClean="0"/>
-              <a:t>Computer </a:t>
-            </a:r>
-            <a:r>
-              <a:rPr lang="en-US" altLang="zh-CN" dirty="0"/>
-              <a:t>vision is emerging as a common thread across these diagnostic applications, and it should be noted that improvements in that field will correlate closely with reliable applications in diagnostics.</a:t>
-            </a:r>
-            <a:endParaRPr lang="en-US" dirty="0"/>
-          </a:p>
-        </p:txBody>
-      </p:sp>
-      <p:sp>
-        <p:nvSpPr>
-          <p:cNvPr id="9" name="Text Placeholder 8">
-            <a:extLst>
-              <a:ext uri="{FF2B5EF4-FFF2-40B4-BE49-F238E27FC236}">
-                <a16:creationId xmlns:a16="http://schemas.microsoft.com/office/drawing/2014/main" id="{6B1A0A9B-D4E2-459E-998F-4F014D0CE155}"/>
-              </a:ext>
-            </a:extLst>
-          </p:cNvPr>
-          <p:cNvSpPr>
-            <a:spLocks noGrp="1"/>
-          </p:cNvSpPr>
-          <p:nvPr>
-            <p:ph type="body" sz="quarter" idx="28"/>
-          </p:nvPr>
-        </p:nvSpPr>
-        <p:spPr/>
-        <p:txBody>
-          <a:bodyPr/>
-          <a:lstStyle/>
-          <a:p>
-            <a:r>
-              <a:rPr lang="en-US" dirty="0"/>
-              <a:t>2</a:t>
-            </a:r>
-            <a:endParaRPr lang="ru-RU" dirty="0"/>
-          </a:p>
-        </p:txBody>
-      </p:sp>
-      <p:sp>
-        <p:nvSpPr>
-          <p:cNvPr id="16" name="Text Placeholder 15">
-            <a:extLst>
-              <a:ext uri="{FF2B5EF4-FFF2-40B4-BE49-F238E27FC236}">
-                <a16:creationId xmlns:a16="http://schemas.microsoft.com/office/drawing/2014/main" id="{C4390C17-C4AE-4DB3-8625-333E382D8160}"/>
-              </a:ext>
-            </a:extLst>
-          </p:cNvPr>
-          <p:cNvSpPr>
-            <a:spLocks noGrp="1"/>
-          </p:cNvSpPr>
-          <p:nvPr>
-            <p:ph type="body" idx="35"/>
-          </p:nvPr>
-        </p:nvSpPr>
-        <p:spPr/>
-        <p:txBody>
-          <a:bodyPr/>
-          <a:lstStyle/>
-          <a:p>
-            <a:r>
-              <a:rPr lang="en-US" altLang="zh-CN" dirty="0" smtClean="0"/>
-              <a:t>Management</a:t>
-            </a:r>
-            <a:endParaRPr lang="ru-RU" dirty="0"/>
-          </a:p>
-        </p:txBody>
-      </p:sp>
-      <p:sp>
-        <p:nvSpPr>
-          <p:cNvPr id="14" name="Text Placeholder 13">
-            <a:extLst>
-              <a:ext uri="{FF2B5EF4-FFF2-40B4-BE49-F238E27FC236}">
-                <a16:creationId xmlns:a16="http://schemas.microsoft.com/office/drawing/2014/main" id="{CD77B647-E767-4BF7-9BBB-4670F75C62E5}"/>
-              </a:ext>
-            </a:extLst>
-          </p:cNvPr>
-          <p:cNvSpPr>
-            <a:spLocks noGrp="1"/>
-          </p:cNvSpPr>
-          <p:nvPr>
-            <p:ph type="body" idx="33"/>
-          </p:nvPr>
-        </p:nvSpPr>
-        <p:spPr>
-          <a:xfrm>
-            <a:off x="6048861" y="3610084"/>
-            <a:ext cx="2589369" cy="2214043"/>
-          </a:xfrm>
-        </p:spPr>
-        <p:txBody>
-          <a:bodyPr>
-            <a:normAutofit/>
-          </a:bodyPr>
-          <a:lstStyle/>
-          <a:p>
-            <a:r>
-              <a:rPr lang="en-US" altLang="zh-CN" dirty="0"/>
-              <a:t>Applications of AI in medical diagnostics are in the early adoption phase across multiple specialties with limited data currently available on patient </a:t>
-            </a:r>
-            <a:r>
-              <a:rPr lang="en-US" altLang="zh-CN" dirty="0" smtClean="0"/>
-              <a:t>outcomes.</a:t>
-            </a:r>
-            <a:r>
-              <a:rPr lang="en-US" altLang="zh-CN" dirty="0"/>
-              <a:t> </a:t>
-            </a:r>
-            <a:endParaRPr lang="en-US" dirty="0"/>
-          </a:p>
-        </p:txBody>
-      </p:sp>
-      <p:sp>
-        <p:nvSpPr>
-          <p:cNvPr id="10" name="Text Placeholder 9">
-            <a:extLst>
-              <a:ext uri="{FF2B5EF4-FFF2-40B4-BE49-F238E27FC236}">
-                <a16:creationId xmlns:a16="http://schemas.microsoft.com/office/drawing/2014/main" id="{67777536-862A-4117-99A6-08D618025F3E}"/>
-              </a:ext>
-            </a:extLst>
-          </p:cNvPr>
-          <p:cNvSpPr>
-            <a:spLocks noGrp="1"/>
-          </p:cNvSpPr>
-          <p:nvPr>
-            <p:ph type="body" sz="quarter" idx="31"/>
-          </p:nvPr>
-        </p:nvSpPr>
-        <p:spPr/>
-        <p:txBody>
-          <a:bodyPr/>
-          <a:lstStyle/>
-          <a:p>
-            <a:r>
-              <a:rPr lang="en-US" dirty="0"/>
-              <a:t>3</a:t>
-            </a:r>
-            <a:endParaRPr lang="ru-RU" dirty="0"/>
-          </a:p>
-        </p:txBody>
-      </p:sp>
-      <p:sp>
-        <p:nvSpPr>
-          <p:cNvPr id="19" name="Text Placeholder 18">
-            <a:extLst>
-              <a:ext uri="{FF2B5EF4-FFF2-40B4-BE49-F238E27FC236}">
-                <a16:creationId xmlns:a16="http://schemas.microsoft.com/office/drawing/2014/main" id="{12F7FE6A-EF99-4A0F-B41B-9EED6BCFB58F}"/>
-              </a:ext>
-            </a:extLst>
-          </p:cNvPr>
-          <p:cNvSpPr>
-            <a:spLocks noGrp="1"/>
-          </p:cNvSpPr>
-          <p:nvPr>
-            <p:ph type="body" idx="38"/>
-          </p:nvPr>
-        </p:nvSpPr>
-        <p:spPr/>
-        <p:txBody>
-          <a:bodyPr>
-            <a:normAutofit fontScale="92500"/>
-          </a:bodyPr>
-          <a:lstStyle/>
-          <a:p>
-            <a:r>
-              <a:rPr lang="en-US" altLang="zh-CN" dirty="0" smtClean="0"/>
-              <a:t>Biomedical Research</a:t>
-            </a:r>
-            <a:endParaRPr lang="ru-RU" dirty="0"/>
-          </a:p>
-        </p:txBody>
-      </p:sp>
-      <p:sp>
-        <p:nvSpPr>
-          <p:cNvPr id="17" name="Text Placeholder 16">
-            <a:extLst>
-              <a:ext uri="{FF2B5EF4-FFF2-40B4-BE49-F238E27FC236}">
-                <a16:creationId xmlns:a16="http://schemas.microsoft.com/office/drawing/2014/main" id="{ED753487-20C4-4668-BE91-11BEE80F5B0C}"/>
-              </a:ext>
-            </a:extLst>
-          </p:cNvPr>
-          <p:cNvSpPr>
-            <a:spLocks noGrp="1"/>
-          </p:cNvSpPr>
-          <p:nvPr>
-            <p:ph type="body" idx="36"/>
-          </p:nvPr>
-        </p:nvSpPr>
-        <p:spPr>
-          <a:xfrm>
-            <a:off x="8975159" y="2918691"/>
-            <a:ext cx="2561059" cy="2905435"/>
-          </a:xfrm>
-        </p:spPr>
-        <p:txBody>
-          <a:bodyPr>
-            <a:normAutofit fontScale="92500" lnSpcReduction="10000"/>
-          </a:bodyPr>
-          <a:lstStyle/>
-          <a:p>
-            <a:r>
-              <a:rPr lang="en-US" dirty="0"/>
-              <a:t>With projected rapid growth in the medical device sector, companies making efforts to bring accurate and reliable medical diagnostics based on machine and deep learning applications to market may be poised to capture a percentage of this profitable market (the huge venture investments the healthcare AI sector would seem to suggest that AI stands a chance to make a dent in the next wave of medical diagnostic tech).</a:t>
-            </a:r>
-          </a:p>
-        </p:txBody>
-      </p:sp>
-      <p:sp>
-        <p:nvSpPr>
-          <p:cNvPr id="6" name="Slide Number Placeholder 5">
-            <a:extLst>
-              <a:ext uri="{FF2B5EF4-FFF2-40B4-BE49-F238E27FC236}">
-                <a16:creationId xmlns:a16="http://schemas.microsoft.com/office/drawing/2014/main" id="{8277F7BB-ABDC-47FC-A794-3AB13968D04A}"/>
-              </a:ext>
-            </a:extLst>
-          </p:cNvPr>
-          <p:cNvSpPr>
-            <a:spLocks noGrp="1"/>
-          </p:cNvSpPr>
-          <p:nvPr>
-            <p:ph type="sldNum" sz="quarter" idx="12"/>
-          </p:nvPr>
-        </p:nvSpPr>
-        <p:spPr/>
-        <p:txBody>
-          <a:bodyPr/>
-          <a:lstStyle/>
-          <a:p>
-            <a:pPr marL="0" marR="0" lvl="0" indent="0" algn="ctr" defTabSz="914400" rtl="0" eaLnBrk="1" fontAlgn="auto" latinLnBrk="0" hangingPunct="1">
-              <a:lnSpc>
-                <a:spcPct val="100000"/>
-              </a:lnSpc>
-              <a:spcBef>
-                <a:spcPts val="0"/>
-              </a:spcBef>
-              <a:spcAft>
-                <a:spcPts val="0"/>
-              </a:spcAft>
-              <a:buClrTx/>
-              <a:buSzTx/>
-              <a:buFontTx/>
-              <a:buNone/>
-              <a:tabLst/>
-              <a:defRPr/>
-            </a:pPr>
-            <a:r>
-              <a:rPr kumimoji="0" lang="en-US" altLang="zh-CN" sz="1000" b="0" i="0" u="none" strike="noStrike" kern="1200" cap="none" spc="0" normalizeH="0" baseline="0" noProof="0" dirty="0">
-                <a:ln>
-                  <a:noFill/>
-                </a:ln>
-                <a:solidFill>
-                  <a:srgbClr val="FFFFFF"/>
-                </a:solidFill>
-                <a:effectLst/>
-                <a:uLnTx/>
-                <a:uFillTx/>
-                <a:latin typeface="Segoe UI Light"/>
-                <a:ea typeface="+mn-ea"/>
-                <a:cs typeface="+mn-cs"/>
-              </a:rPr>
-              <a:t>5</a:t>
-            </a:r>
-            <a:endParaRPr kumimoji="0" lang="ru-RU" sz="1000" b="0" i="0" u="none" strike="noStrike" kern="1200" cap="none" spc="0" normalizeH="0" baseline="0" noProof="0" dirty="0">
-              <a:ln>
-                <a:noFill/>
-              </a:ln>
-              <a:solidFill>
-                <a:srgbClr val="FFFFFF"/>
-              </a:solidFill>
-              <a:effectLst/>
-              <a:uLnTx/>
-              <a:uFillTx/>
-              <a:latin typeface="Segoe UI Light"/>
-              <a:ea typeface="+mn-ea"/>
-              <a:cs typeface="+mn-cs"/>
-            </a:endParaRPr>
-          </a:p>
-        </p:txBody>
-      </p:sp>
-      <p:sp>
-        <p:nvSpPr>
           <p:cNvPr id="4" name="Date Placeholder 3">
             <a:extLst>
               <a:ext uri="{FF2B5EF4-FFF2-40B4-BE49-F238E27FC236}">
@@ -47128,6 +45535,160 @@
           </a:p>
         </p:txBody>
       </p:sp>
+      <p:sp>
+        <p:nvSpPr>
+          <p:cNvPr id="6" name="Slide Number Placeholder 5">
+            <a:extLst>
+              <a:ext uri="{FF2B5EF4-FFF2-40B4-BE49-F238E27FC236}">
+                <a16:creationId xmlns:a16="http://schemas.microsoft.com/office/drawing/2014/main" id="{8277F7BB-ABDC-47FC-A794-3AB13968D04A}"/>
+              </a:ext>
+            </a:extLst>
+          </p:cNvPr>
+          <p:cNvSpPr>
+            <a:spLocks noGrp="1"/>
+          </p:cNvSpPr>
+          <p:nvPr>
+            <p:ph type="sldNum" sz="quarter" idx="12"/>
+          </p:nvPr>
+        </p:nvSpPr>
+        <p:spPr/>
+        <p:txBody>
+          <a:bodyPr/>
+          <a:lstStyle/>
+          <a:p>
+            <a:pPr marL="0" marR="0" lvl="0" indent="0" algn="ctr" defTabSz="914400" rtl="0" eaLnBrk="1" fontAlgn="auto" latinLnBrk="0" hangingPunct="1">
+              <a:lnSpc>
+                <a:spcPct val="100000"/>
+              </a:lnSpc>
+              <a:spcBef>
+                <a:spcPts val="0"/>
+              </a:spcBef>
+              <a:spcAft>
+                <a:spcPts val="0"/>
+              </a:spcAft>
+              <a:buClrTx/>
+              <a:buSzTx/>
+              <a:buFontTx/>
+              <a:buNone/>
+              <a:tabLst/>
+              <a:defRPr/>
+            </a:pPr>
+            <a:r>
+              <a:rPr kumimoji="0" lang="en-US" altLang="zh-CN" sz="1000" b="0" i="0" u="none" strike="noStrike" kern="1200" cap="none" spc="0" normalizeH="0" baseline="0" noProof="0" dirty="0">
+                <a:ln>
+                  <a:noFill/>
+                </a:ln>
+                <a:solidFill>
+                  <a:srgbClr val="FFFFFF"/>
+                </a:solidFill>
+                <a:effectLst/>
+                <a:uLnTx/>
+                <a:uFillTx/>
+                <a:latin typeface="Segoe UI Light"/>
+                <a:ea typeface="+mn-ea"/>
+                <a:cs typeface="+mn-cs"/>
+              </a:rPr>
+              <a:t>5</a:t>
+            </a:r>
+            <a:endParaRPr kumimoji="0" lang="ru-RU" sz="1000" b="0" i="0" u="none" strike="noStrike" kern="1200" cap="none" spc="0" normalizeH="0" baseline="0" noProof="0" dirty="0">
+              <a:ln>
+                <a:noFill/>
+              </a:ln>
+              <a:solidFill>
+                <a:srgbClr val="FFFFFF"/>
+              </a:solidFill>
+              <a:effectLst/>
+              <a:uLnTx/>
+              <a:uFillTx/>
+              <a:latin typeface="Segoe UI Light"/>
+              <a:ea typeface="+mn-ea"/>
+              <a:cs typeface="+mn-cs"/>
+            </a:endParaRPr>
+          </a:p>
+        </p:txBody>
+      </p:sp>
+      <p:pic>
+        <p:nvPicPr>
+          <p:cNvPr id="1026" name="Picture 2" descr="Image result for Qventus"/>
+          <p:cNvPicPr>
+            <a:picLocks noChangeAspect="1" noChangeArrowheads="1"/>
+          </p:cNvPicPr>
+          <p:nvPr/>
+        </p:nvPicPr>
+        <p:blipFill>
+          <a:blip r:embed="rId3">
+            <a:extLst>
+              <a:ext uri="{28A0092B-C50C-407E-A947-70E740481C1C}">
+                <a14:useLocalDpi xmlns:a14="http://schemas.microsoft.com/office/drawing/2010/main" val="0"/>
+              </a:ext>
+            </a:extLst>
+          </a:blip>
+          <a:srcRect/>
+          <a:stretch>
+            <a:fillRect/>
+          </a:stretch>
+        </p:blipFill>
+        <p:spPr bwMode="auto">
+          <a:xfrm>
+            <a:off x="5267589" y="2900362"/>
+            <a:ext cx="5067300" cy="3276601"/>
+          </a:xfrm>
+          <a:prstGeom prst="rect">
+            <a:avLst/>
+          </a:prstGeom>
+          <a:noFill/>
+          <a:extLst>
+            <a:ext uri="{909E8E84-426E-40DD-AFC4-6F175D3DCCD1}">
+              <a14:hiddenFill xmlns:a14="http://schemas.microsoft.com/office/drawing/2010/main">
+                <a:solidFill>
+                  <a:srgbClr val="FFFFFF"/>
+                </a:solidFill>
+              </a14:hiddenFill>
+            </a:ext>
+          </a:extLst>
+        </p:spPr>
+      </p:pic>
+      <p:pic>
+        <p:nvPicPr>
+          <p:cNvPr id="1028" name="Picture 4" descr="Image result for hospital management"/>
+          <p:cNvPicPr>
+            <a:picLocks noChangeAspect="1" noChangeArrowheads="1"/>
+          </p:cNvPicPr>
+          <p:nvPr/>
+        </p:nvPicPr>
+        <p:blipFill>
+          <a:blip r:embed="rId4">
+            <a:extLst>
+              <a:ext uri="{28A0092B-C50C-407E-A947-70E740481C1C}">
+                <a14:useLocalDpi xmlns:a14="http://schemas.microsoft.com/office/drawing/2010/main" val="0"/>
+              </a:ext>
+            </a:extLst>
+          </a:blip>
+          <a:srcRect/>
+          <a:stretch>
+            <a:fillRect/>
+          </a:stretch>
+        </p:blipFill>
+        <p:spPr bwMode="auto">
+          <a:xfrm>
+            <a:off x="5267589" y="920948"/>
+            <a:ext cx="5067300" cy="1979414"/>
+          </a:xfrm>
+          <a:prstGeom prst="rect">
+            <a:avLst/>
+          </a:prstGeom>
+          <a:noFill/>
+          <a:extLst>
+            <a:ext uri="{909E8E84-426E-40DD-AFC4-6F175D3DCCD1}">
+              <a14:hiddenFill xmlns:a14="http://schemas.microsoft.com/office/drawing/2010/main">
+                <a:solidFill>
+                  <a:srgbClr val="FFFFFF"/>
+                </a:solidFill>
+              </a14:hiddenFill>
+            </a:ext>
+          </a:extLst>
+        </p:spPr>
+      </p:pic>
     </p:spTree>
     <p:extLst>
       <p:ext uri="{BB962C8B-B14F-4D97-AF65-F5344CB8AC3E}">
@@ -47192,378 +45753,14 @@
               <a:rPr lang="en-US" altLang="zh-CN" dirty="0" smtClean="0"/>
               <a:t>Nationwide</a:t>
             </a:r>
-            <a:r>
-              <a:rPr lang="en-US" dirty="0" smtClean="0"/>
-              <a:t> Scope</a:t>
+            <a:br>
+              <a:rPr lang="en-US" altLang="zh-CN" dirty="0" smtClean="0"/>
+            </a:br>
+            <a:r>
+              <a:rPr lang="en-US" altLang="zh-CN" dirty="0" smtClean="0"/>
+              <a:t>Scope</a:t>
             </a:r>
             <a:endParaRPr lang="ru-RU" dirty="0"/>
-          </a:p>
-        </p:txBody>
-      </p:sp>
-      <p:sp>
-        <p:nvSpPr>
-          <p:cNvPr id="8" name="Text Placeholder 7">
-            <a:extLst>
-              <a:ext uri="{FF2B5EF4-FFF2-40B4-BE49-F238E27FC236}">
-                <a16:creationId xmlns:a16="http://schemas.microsoft.com/office/drawing/2014/main" id="{0035A84C-449C-4CF8-B16B-6646515E7532}"/>
-              </a:ext>
-            </a:extLst>
-          </p:cNvPr>
-          <p:cNvSpPr>
-            <a:spLocks noGrp="1"/>
-          </p:cNvSpPr>
-          <p:nvPr>
-            <p:ph type="body" sz="quarter" idx="26"/>
-          </p:nvPr>
-        </p:nvSpPr>
-        <p:spPr/>
-        <p:txBody>
-          <a:bodyPr/>
-          <a:lstStyle/>
-          <a:p>
-            <a:r>
-              <a:rPr lang="en-US" dirty="0"/>
-              <a:t>1</a:t>
-            </a:r>
-            <a:endParaRPr lang="ru-RU" dirty="0"/>
-          </a:p>
-        </p:txBody>
-      </p:sp>
-      <p:sp>
-        <p:nvSpPr>
-          <p:cNvPr id="13" name="Text Placeholder 12">
-            <a:extLst>
-              <a:ext uri="{FF2B5EF4-FFF2-40B4-BE49-F238E27FC236}">
-                <a16:creationId xmlns:a16="http://schemas.microsoft.com/office/drawing/2014/main" id="{D62CB705-FC11-48C5-A459-495475D0B55E}"/>
-              </a:ext>
-            </a:extLst>
-          </p:cNvPr>
-          <p:cNvSpPr>
-            <a:spLocks noGrp="1"/>
-          </p:cNvSpPr>
-          <p:nvPr>
-            <p:ph type="body" idx="32"/>
-          </p:nvPr>
-        </p:nvSpPr>
-        <p:spPr/>
-        <p:txBody>
-          <a:bodyPr/>
-          <a:lstStyle/>
-          <a:p>
-            <a:r>
-              <a:rPr lang="en-US" altLang="zh-CN" dirty="0" smtClean="0"/>
-              <a:t>Current Problems</a:t>
-            </a:r>
-            <a:endParaRPr lang="ru-RU" dirty="0"/>
-          </a:p>
-        </p:txBody>
-      </p:sp>
-      <p:sp>
-        <p:nvSpPr>
-          <p:cNvPr id="11" name="Text Placeholder 10">
-            <a:extLst>
-              <a:ext uri="{FF2B5EF4-FFF2-40B4-BE49-F238E27FC236}">
-                <a16:creationId xmlns:a16="http://schemas.microsoft.com/office/drawing/2014/main" id="{775CF4E1-948D-4002-A94F-4BA8543DF1C4}"/>
-              </a:ext>
-            </a:extLst>
-          </p:cNvPr>
-          <p:cNvSpPr>
-            <a:spLocks noGrp="1"/>
-          </p:cNvSpPr>
-          <p:nvPr>
-            <p:ph type="body" idx="27"/>
-          </p:nvPr>
-        </p:nvSpPr>
-        <p:spPr>
-          <a:xfrm>
-            <a:off x="3151266" y="4243902"/>
-            <a:ext cx="2589369" cy="1580226"/>
-          </a:xfrm>
-        </p:spPr>
-        <p:txBody>
-          <a:bodyPr>
-            <a:normAutofit/>
-          </a:bodyPr>
-          <a:lstStyle/>
-          <a:p>
-            <a:r>
-              <a:rPr lang="en-US" altLang="zh-CN" dirty="0" smtClean="0"/>
-              <a:t>Computer </a:t>
-            </a:r>
-            <a:r>
-              <a:rPr lang="en-US" altLang="zh-CN" dirty="0"/>
-              <a:t>vision is emerging as a common thread across these diagnostic applications, and it should be noted that improvements in that field will correlate closely with reliable applications in diagnostics.</a:t>
-            </a:r>
-            <a:endParaRPr lang="en-US" dirty="0"/>
-          </a:p>
-        </p:txBody>
-      </p:sp>
-      <p:sp>
-        <p:nvSpPr>
-          <p:cNvPr id="9" name="Text Placeholder 8">
-            <a:extLst>
-              <a:ext uri="{FF2B5EF4-FFF2-40B4-BE49-F238E27FC236}">
-                <a16:creationId xmlns:a16="http://schemas.microsoft.com/office/drawing/2014/main" id="{6B1A0A9B-D4E2-459E-998F-4F014D0CE155}"/>
-              </a:ext>
-            </a:extLst>
-          </p:cNvPr>
-          <p:cNvSpPr>
-            <a:spLocks noGrp="1"/>
-          </p:cNvSpPr>
-          <p:nvPr>
-            <p:ph type="body" sz="quarter" idx="28"/>
-          </p:nvPr>
-        </p:nvSpPr>
-        <p:spPr/>
-        <p:txBody>
-          <a:bodyPr/>
-          <a:lstStyle/>
-          <a:p>
-            <a:r>
-              <a:rPr lang="en-US" dirty="0"/>
-              <a:t>2</a:t>
-            </a:r>
-            <a:endParaRPr lang="ru-RU" dirty="0"/>
-          </a:p>
-        </p:txBody>
-      </p:sp>
-      <p:sp>
-        <p:nvSpPr>
-          <p:cNvPr id="16" name="Text Placeholder 15">
-            <a:extLst>
-              <a:ext uri="{FF2B5EF4-FFF2-40B4-BE49-F238E27FC236}">
-                <a16:creationId xmlns:a16="http://schemas.microsoft.com/office/drawing/2014/main" id="{C4390C17-C4AE-4DB3-8625-333E382D8160}"/>
-              </a:ext>
-            </a:extLst>
-          </p:cNvPr>
-          <p:cNvSpPr>
-            <a:spLocks noGrp="1"/>
-          </p:cNvSpPr>
-          <p:nvPr>
-            <p:ph type="body" idx="35"/>
-          </p:nvPr>
-        </p:nvSpPr>
-        <p:spPr/>
-        <p:txBody>
-          <a:bodyPr/>
-          <a:lstStyle/>
-          <a:p>
-            <a:r>
-              <a:rPr lang="en-US" altLang="zh-CN" dirty="0" smtClean="0"/>
-              <a:t>Management</a:t>
-            </a:r>
-            <a:endParaRPr lang="ru-RU" dirty="0"/>
-          </a:p>
-        </p:txBody>
-      </p:sp>
-      <p:sp>
-        <p:nvSpPr>
-          <p:cNvPr id="14" name="Text Placeholder 13">
-            <a:extLst>
-              <a:ext uri="{FF2B5EF4-FFF2-40B4-BE49-F238E27FC236}">
-                <a16:creationId xmlns:a16="http://schemas.microsoft.com/office/drawing/2014/main" id="{CD77B647-E767-4BF7-9BBB-4670F75C62E5}"/>
-              </a:ext>
-            </a:extLst>
-          </p:cNvPr>
-          <p:cNvSpPr>
-            <a:spLocks noGrp="1"/>
-          </p:cNvSpPr>
-          <p:nvPr>
-            <p:ph type="body" idx="33"/>
-          </p:nvPr>
-        </p:nvSpPr>
-        <p:spPr>
-          <a:xfrm>
-            <a:off x="6048861" y="3610084"/>
-            <a:ext cx="2589369" cy="2214043"/>
-          </a:xfrm>
-        </p:spPr>
-        <p:txBody>
-          <a:bodyPr>
-            <a:normAutofit/>
-          </a:bodyPr>
-          <a:lstStyle/>
-          <a:p>
-            <a:r>
-              <a:rPr lang="en-US" altLang="zh-CN" dirty="0"/>
-              <a:t>Applications of AI in medical diagnostics are in the early adoption phase across multiple specialties with limited data currently available on patient </a:t>
-            </a:r>
-            <a:r>
-              <a:rPr lang="en-US" altLang="zh-CN" dirty="0" smtClean="0"/>
-              <a:t>outcomes.</a:t>
-            </a:r>
-            <a:r>
-              <a:rPr lang="en-US" altLang="zh-CN" dirty="0"/>
-              <a:t> </a:t>
-            </a:r>
-            <a:endParaRPr lang="en-US" dirty="0"/>
-          </a:p>
-        </p:txBody>
-      </p:sp>
-      <p:sp>
-        <p:nvSpPr>
-          <p:cNvPr id="10" name="Text Placeholder 9">
-            <a:extLst>
-              <a:ext uri="{FF2B5EF4-FFF2-40B4-BE49-F238E27FC236}">
-                <a16:creationId xmlns:a16="http://schemas.microsoft.com/office/drawing/2014/main" id="{67777536-862A-4117-99A6-08D618025F3E}"/>
-              </a:ext>
-            </a:extLst>
-          </p:cNvPr>
-          <p:cNvSpPr>
-            <a:spLocks noGrp="1"/>
-          </p:cNvSpPr>
-          <p:nvPr>
-            <p:ph type="body" sz="quarter" idx="31"/>
-          </p:nvPr>
-        </p:nvSpPr>
-        <p:spPr/>
-        <p:txBody>
-          <a:bodyPr/>
-          <a:lstStyle/>
-          <a:p>
-            <a:r>
-              <a:rPr lang="en-US" dirty="0"/>
-              <a:t>3</a:t>
-            </a:r>
-            <a:endParaRPr lang="ru-RU" dirty="0"/>
-          </a:p>
-        </p:txBody>
-      </p:sp>
-      <p:sp>
-        <p:nvSpPr>
-          <p:cNvPr id="19" name="Text Placeholder 18">
-            <a:extLst>
-              <a:ext uri="{FF2B5EF4-FFF2-40B4-BE49-F238E27FC236}">
-                <a16:creationId xmlns:a16="http://schemas.microsoft.com/office/drawing/2014/main" id="{12F7FE6A-EF99-4A0F-B41B-9EED6BCFB58F}"/>
-              </a:ext>
-            </a:extLst>
-          </p:cNvPr>
-          <p:cNvSpPr>
-            <a:spLocks noGrp="1"/>
-          </p:cNvSpPr>
-          <p:nvPr>
-            <p:ph type="body" idx="38"/>
-          </p:nvPr>
-        </p:nvSpPr>
-        <p:spPr/>
-        <p:txBody>
-          <a:bodyPr>
-            <a:normAutofit fontScale="92500"/>
-          </a:bodyPr>
-          <a:lstStyle/>
-          <a:p>
-            <a:r>
-              <a:rPr lang="en-US" altLang="zh-CN" dirty="0" smtClean="0"/>
-              <a:t>Biomedical Research</a:t>
-            </a:r>
-            <a:endParaRPr lang="ru-RU" dirty="0"/>
-          </a:p>
-        </p:txBody>
-      </p:sp>
-      <p:sp>
-        <p:nvSpPr>
-          <p:cNvPr id="17" name="Text Placeholder 16">
-            <a:extLst>
-              <a:ext uri="{FF2B5EF4-FFF2-40B4-BE49-F238E27FC236}">
-                <a16:creationId xmlns:a16="http://schemas.microsoft.com/office/drawing/2014/main" id="{ED753487-20C4-4668-BE91-11BEE80F5B0C}"/>
-              </a:ext>
-            </a:extLst>
-          </p:cNvPr>
-          <p:cNvSpPr>
-            <a:spLocks noGrp="1"/>
-          </p:cNvSpPr>
-          <p:nvPr>
-            <p:ph type="body" idx="36"/>
-          </p:nvPr>
-        </p:nvSpPr>
-        <p:spPr>
-          <a:xfrm>
-            <a:off x="8975159" y="2918691"/>
-            <a:ext cx="2561059" cy="2905435"/>
-          </a:xfrm>
-        </p:spPr>
-        <p:txBody>
-          <a:bodyPr>
-            <a:normAutofit fontScale="92500" lnSpcReduction="10000"/>
-          </a:bodyPr>
-          <a:lstStyle/>
-          <a:p>
-            <a:r>
-              <a:rPr lang="en-US" dirty="0"/>
-              <a:t>With projected rapid growth in the medical device sector, companies making efforts to bring accurate and reliable medical diagnostics based on machine and deep learning applications to market may be poised to capture a percentage of this profitable market (the huge venture investments the healthcare AI sector would seem to suggest that AI stands a chance to make a dent in the next wave of medical diagnostic tech).</a:t>
-            </a:r>
-          </a:p>
-        </p:txBody>
-      </p:sp>
-      <p:sp>
-        <p:nvSpPr>
-          <p:cNvPr id="6" name="Slide Number Placeholder 5">
-            <a:extLst>
-              <a:ext uri="{FF2B5EF4-FFF2-40B4-BE49-F238E27FC236}">
-                <a16:creationId xmlns:a16="http://schemas.microsoft.com/office/drawing/2014/main" id="{8277F7BB-ABDC-47FC-A794-3AB13968D04A}"/>
-              </a:ext>
-            </a:extLst>
-          </p:cNvPr>
-          <p:cNvSpPr>
-            <a:spLocks noGrp="1"/>
-          </p:cNvSpPr>
-          <p:nvPr>
-            <p:ph type="sldNum" sz="quarter" idx="12"/>
-          </p:nvPr>
-        </p:nvSpPr>
-        <p:spPr/>
-        <p:txBody>
-          <a:bodyPr/>
-          <a:lstStyle/>
-          <a:p>
-            <a:pPr marL="0" marR="0" lvl="0" indent="0" algn="ctr" defTabSz="914400" rtl="0" eaLnBrk="1" fontAlgn="auto" latinLnBrk="0" hangingPunct="1">
-              <a:lnSpc>
-                <a:spcPct val="100000"/>
-              </a:lnSpc>
-              <a:spcBef>
-                <a:spcPts val="0"/>
-              </a:spcBef>
-              <a:spcAft>
-                <a:spcPts val="0"/>
-              </a:spcAft>
-              <a:buClrTx/>
-              <a:buSzTx/>
-              <a:buFontTx/>
-              <a:buNone/>
-              <a:tabLst/>
-              <a:defRPr/>
-            </a:pPr>
-            <a:r>
-              <a:rPr kumimoji="0" lang="en-US" altLang="zh-CN" sz="1000" b="0" i="0" u="none" strike="noStrike" kern="1200" cap="none" spc="0" normalizeH="0" baseline="0" noProof="0" dirty="0">
-                <a:ln>
-                  <a:noFill/>
-                </a:ln>
-                <a:solidFill>
-                  <a:srgbClr val="FFFFFF"/>
-                </a:solidFill>
-                <a:effectLst/>
-                <a:uLnTx/>
-                <a:uFillTx/>
-                <a:latin typeface="Segoe UI Light"/>
-                <a:ea typeface="+mn-ea"/>
-                <a:cs typeface="+mn-cs"/>
-              </a:rPr>
-              <a:t>5</a:t>
-            </a:r>
-            <a:endParaRPr kumimoji="0" lang="ru-RU" sz="1000" b="0" i="0" u="none" strike="noStrike" kern="1200" cap="none" spc="0" normalizeH="0" baseline="0" noProof="0" dirty="0">
-              <a:ln>
-                <a:noFill/>
-              </a:ln>
-              <a:solidFill>
-                <a:srgbClr val="FFFFFF"/>
-              </a:solidFill>
-              <a:effectLst/>
-              <a:uLnTx/>
-              <a:uFillTx/>
-              <a:latin typeface="Segoe UI Light"/>
-              <a:ea typeface="+mn-ea"/>
-              <a:cs typeface="+mn-cs"/>
-            </a:endParaRPr>
           </a:p>
         </p:txBody>
       </p:sp>
@@ -47645,10 +45842,168 @@
           </a:p>
         </p:txBody>
       </p:sp>
+      <p:sp>
+        <p:nvSpPr>
+          <p:cNvPr id="6" name="Slide Number Placeholder 5">
+            <a:extLst>
+              <a:ext uri="{FF2B5EF4-FFF2-40B4-BE49-F238E27FC236}">
+                <a16:creationId xmlns:a16="http://schemas.microsoft.com/office/drawing/2014/main" id="{8277F7BB-ABDC-47FC-A794-3AB13968D04A}"/>
+              </a:ext>
+            </a:extLst>
+          </p:cNvPr>
+          <p:cNvSpPr>
+            <a:spLocks noGrp="1"/>
+          </p:cNvSpPr>
+          <p:nvPr>
+            <p:ph type="sldNum" sz="quarter" idx="12"/>
+          </p:nvPr>
+        </p:nvSpPr>
+        <p:spPr/>
+        <p:txBody>
+          <a:bodyPr/>
+          <a:lstStyle/>
+          <a:p>
+            <a:pPr marL="0" marR="0" lvl="0" indent="0" algn="ctr" defTabSz="914400" rtl="0" eaLnBrk="1" fontAlgn="auto" latinLnBrk="0" hangingPunct="1">
+              <a:lnSpc>
+                <a:spcPct val="100000"/>
+              </a:lnSpc>
+              <a:spcBef>
+                <a:spcPts val="0"/>
+              </a:spcBef>
+              <a:spcAft>
+                <a:spcPts val="0"/>
+              </a:spcAft>
+              <a:buClrTx/>
+              <a:buSzTx/>
+              <a:buFontTx/>
+              <a:buNone/>
+              <a:tabLst/>
+              <a:defRPr/>
+            </a:pPr>
+            <a:r>
+              <a:rPr kumimoji="0" lang="en-US" altLang="zh-CN" sz="1000" b="0" i="0" u="none" strike="noStrike" kern="1200" cap="none" spc="0" normalizeH="0" baseline="0" noProof="0" dirty="0">
+                <a:ln>
+                  <a:noFill/>
+                </a:ln>
+                <a:solidFill>
+                  <a:srgbClr val="FFFFFF"/>
+                </a:solidFill>
+                <a:effectLst/>
+                <a:uLnTx/>
+                <a:uFillTx/>
+                <a:latin typeface="Segoe UI Light"/>
+                <a:ea typeface="+mn-ea"/>
+                <a:cs typeface="+mn-cs"/>
+              </a:rPr>
+              <a:t>5</a:t>
+            </a:r>
+            <a:endParaRPr kumimoji="0" lang="ru-RU" sz="1000" b="0" i="0" u="none" strike="noStrike" kern="1200" cap="none" spc="0" normalizeH="0" baseline="0" noProof="0" dirty="0">
+              <a:ln>
+                <a:noFill/>
+              </a:ln>
+              <a:solidFill>
+                <a:srgbClr val="FFFFFF"/>
+              </a:solidFill>
+              <a:effectLst/>
+              <a:uLnTx/>
+              <a:uFillTx/>
+              <a:latin typeface="Segoe UI Light"/>
+              <a:ea typeface="+mn-ea"/>
+              <a:cs typeface="+mn-cs"/>
+            </a:endParaRPr>
+          </a:p>
+        </p:txBody>
+      </p:sp>
+      <p:sp>
+        <p:nvSpPr>
+          <p:cNvPr id="3" name="TextBox 2"/>
+          <p:cNvSpPr txBox="1"/>
+          <p:nvPr/>
+        </p:nvSpPr>
+        <p:spPr>
+          <a:xfrm>
+            <a:off x="5325567" y="3183582"/>
+            <a:ext cx="5009322" cy="954107"/>
+          </a:xfrm>
+          <a:prstGeom prst="rect">
+            <a:avLst/>
+          </a:prstGeom>
+          <a:noFill/>
+        </p:spPr>
+        <p:txBody>
+          <a:bodyPr wrap="square" rtlCol="0">
+            <a:spAutoFit/>
+          </a:bodyPr>
+          <a:lstStyle/>
+          <a:p>
+            <a:pPr marL="285750" indent="-285750">
+              <a:buFont typeface="Arial" panose="020B0604020202020204" pitchFamily="34" charset="0"/>
+              <a:buChar char="•"/>
+            </a:pPr>
+            <a:r>
+              <a:rPr lang="en-US" altLang="zh-CN" sz="2800" dirty="0">
+                <a:solidFill>
+                  <a:schemeClr val="bg2"/>
+                </a:solidFill>
+                <a:latin typeface="Constantia" panose="02030602050306030303" pitchFamily="18" charset="0"/>
+              </a:rPr>
+              <a:t>A</a:t>
+            </a:r>
+            <a:r>
+              <a:rPr lang="en-US" altLang="zh-CN" sz="2800" dirty="0" smtClean="0">
+                <a:solidFill>
+                  <a:schemeClr val="bg2"/>
+                </a:solidFill>
+                <a:latin typeface="Constantia" panose="02030602050306030303" pitchFamily="18" charset="0"/>
+              </a:rPr>
+              <a:t>utomation </a:t>
+            </a:r>
+            <a:r>
+              <a:rPr lang="en-US" altLang="zh-CN" sz="2800" dirty="0">
+                <a:solidFill>
+                  <a:schemeClr val="bg2"/>
+                </a:solidFill>
+                <a:latin typeface="Constantia" panose="02030602050306030303" pitchFamily="18" charset="0"/>
+              </a:rPr>
+              <a:t>of trivial tasks</a:t>
+            </a:r>
+          </a:p>
+          <a:p>
+            <a:pPr marL="285750" indent="-285750">
+              <a:buFont typeface="Arial" panose="020B0604020202020204" pitchFamily="34" charset="0"/>
+              <a:buChar char="•"/>
+            </a:pPr>
+            <a:r>
+              <a:rPr lang="en-US" altLang="zh-CN" sz="2800" dirty="0">
+                <a:solidFill>
+                  <a:schemeClr val="bg2"/>
+                </a:solidFill>
+                <a:latin typeface="Constantia" panose="02030602050306030303" pitchFamily="18" charset="0"/>
+              </a:rPr>
+              <a:t>G</a:t>
+            </a:r>
+            <a:r>
+              <a:rPr lang="en-US" altLang="zh-CN" sz="2800" dirty="0" smtClean="0">
+                <a:solidFill>
+                  <a:schemeClr val="bg2"/>
+                </a:solidFill>
+                <a:latin typeface="Constantia" panose="02030602050306030303" pitchFamily="18" charset="0"/>
+              </a:rPr>
+              <a:t>overnment's commitment</a:t>
+            </a:r>
+            <a:endParaRPr lang="en-US" altLang="zh-CN" sz="2800" dirty="0">
+              <a:solidFill>
+                <a:schemeClr val="bg2"/>
+              </a:solidFill>
+              <a:latin typeface="Constantia" panose="02030602050306030303" pitchFamily="18" charset="0"/>
+            </a:endParaRPr>
+          </a:p>
+        </p:txBody>
+      </p:sp>
     </p:spTree>
     <p:extLst>
       <p:ext uri="{BB962C8B-B14F-4D97-AF65-F5344CB8AC3E}">
-        <p14:creationId xmlns:p14="http://schemas.microsoft.com/office/powerpoint/2010/main" val="3634740051"/>
+        <p14:creationId xmlns:p14="http://schemas.microsoft.com/office/powerpoint/2010/main" val="867777662"/>
       </p:ext>
     </p:extLst>
   </p:cSld>
